--- a/Presentation/Techorama sessie 2019_RoMe.pptx
+++ b/Presentation/Techorama sessie 2019_RoMe.pptx
@@ -5,19 +5,14 @@
     <p:sldMasterId id="2147483660" r:id="rId1"/>
   </p:sldMasterIdLst>
   <p:notesMasterIdLst>
-    <p:notesMasterId r:id="rId12"/>
+    <p:notesMasterId r:id="rId7"/>
   </p:notesMasterIdLst>
   <p:sldIdLst>
     <p:sldId id="256" r:id="rId2"/>
     <p:sldId id="257" r:id="rId3"/>
-    <p:sldId id="258" r:id="rId4"/>
-    <p:sldId id="259" r:id="rId5"/>
-    <p:sldId id="260" r:id="rId6"/>
-    <p:sldId id="263" r:id="rId7"/>
-    <p:sldId id="261" r:id="rId8"/>
-    <p:sldId id="262" r:id="rId9"/>
-    <p:sldId id="264" r:id="rId10"/>
-    <p:sldId id="265" r:id="rId11"/>
+    <p:sldId id="264" r:id="rId4"/>
+    <p:sldId id="265" r:id="rId5"/>
+    <p:sldId id="266" r:id="rId6"/>
   </p:sldIdLst>
   <p:sldSz cx="12192000" cy="6858000"/>
   <p:notesSz cx="6858000" cy="9144000"/>
@@ -206,7 +201,7 @@
           <a:p>
             <a:fld id="{79CDC471-DDF2-433F-A5F6-544F0A710411}" type="datetimeFigureOut">
               <a:rPr lang="en-NL" smtClean="0"/>
-              <a:t>02/12/2019</a:t>
+              <a:t>13/02/2019</a:t>
             </a:fld>
             <a:endParaRPr lang="en-NL"/>
           </a:p>
@@ -365,7 +360,7 @@
           <a:p>
             <a:fld id="{512CD03F-D563-42E4-B6A0-ADC9791A9E93}" type="slidenum">
               <a:rPr lang="en-NL" smtClean="0"/>
-              <a:t>‹nr.›</a:t>
+              <a:t>‹#›</a:t>
             </a:fld>
             <a:endParaRPr lang="en-NL"/>
           </a:p>
@@ -602,57 +597,6 @@
           <a:bodyPr/>
           <a:lstStyle/>
           <a:p>
-            <a:pPr marL="171450" indent="-171450">
-              <a:buFontTx/>
-              <a:buChar char="-"/>
-            </a:pPr>
-            <a:r>
-              <a:rPr lang="en-GB" dirty="0"/>
-              <a:t>Oude </a:t>
-            </a:r>
-            <a:r>
-              <a:rPr lang="en-GB" dirty="0" err="1"/>
-              <a:t>manier</a:t>
-            </a:r>
-            <a:r>
-              <a:rPr lang="en-GB" dirty="0"/>
-              <a:t> / </a:t>
-            </a:r>
-            <a:r>
-              <a:rPr lang="en-GB" dirty="0" err="1"/>
-              <a:t>mvc</a:t>
-            </a:r>
-            <a:r>
-              <a:rPr lang="en-GB" dirty="0"/>
-              <a:t> </a:t>
-            </a:r>
-            <a:r>
-              <a:rPr lang="en-GB" dirty="0" err="1"/>
-              <a:t>manier</a:t>
-            </a:r>
-            <a:r>
-              <a:rPr lang="en-GB" dirty="0"/>
-              <a:t> : https://exceptionnotfound.net/asp-net-core-demystified-routing-in-mvc/</a:t>
-            </a:r>
-          </a:p>
-          <a:p>
-            <a:pPr marL="171450" indent="-171450">
-              <a:buFontTx/>
-              <a:buChar char="-"/>
-            </a:pPr>
-            <a:r>
-              <a:rPr lang="en-GB" dirty="0"/>
-              <a:t>Constraints: https://www.tektutorialshub.com/asp-net-core/asp-net-core-route-constraints/</a:t>
-            </a:r>
-          </a:p>
-          <a:p>
-            <a:pPr marL="0" indent="0">
-              <a:buFontTx/>
-              <a:buNone/>
-            </a:pPr>
-            <a:endParaRPr lang="en-GB" dirty="0"/>
-          </a:p>
-          <a:p>
             <a:endParaRPr lang="en-NL" dirty="0"/>
           </a:p>
         </p:txBody>
@@ -674,7 +618,7 @@
           <a:p>
             <a:fld id="{512CD03F-D563-42E4-B6A0-ADC9791A9E93}" type="slidenum">
               <a:rPr lang="en-NL" smtClean="0"/>
-              <a:t>4</a:t>
+              <a:t>3</a:t>
             </a:fld>
             <a:endParaRPr lang="en-NL"/>
           </a:p>
@@ -683,187 +627,7 @@
     </p:spTree>
     <p:extLst>
       <p:ext uri="{BB962C8B-B14F-4D97-AF65-F5344CB8AC3E}">
-        <p14:creationId xmlns:p14="http://schemas.microsoft.com/office/powerpoint/2010/main" val="1366018130"/>
-      </p:ext>
-    </p:extLst>
-  </p:cSld>
-  <p:clrMapOvr>
-    <a:masterClrMapping/>
-  </p:clrMapOvr>
-</p:notes>
-</file>
-
-<file path=ppt/notesSlides/notesSlide3.xml><?xml version="1.0" encoding="utf-8"?>
-<p:notes xmlns:a="http://schemas.openxmlformats.org/drawingml/2006/main" xmlns:r="http://schemas.openxmlformats.org/officeDocument/2006/relationships" xmlns:p="http://schemas.openxmlformats.org/presentationml/2006/main">
-  <p:cSld>
-    <p:spTree>
-      <p:nvGrpSpPr>
-        <p:cNvPr id="1" name=""/>
-        <p:cNvGrpSpPr/>
-        <p:nvPr/>
-      </p:nvGrpSpPr>
-      <p:grpSpPr>
-        <a:xfrm>
-          <a:off x="0" y="0"/>
-          <a:ext cx="0" cy="0"/>
-          <a:chOff x="0" y="0"/>
-          <a:chExt cx="0" cy="0"/>
-        </a:xfrm>
-      </p:grpSpPr>
-      <p:sp>
-        <p:nvSpPr>
-          <p:cNvPr id="2" name="Slide Image Placeholder 1"/>
-          <p:cNvSpPr>
-            <a:spLocks noGrp="1" noRot="1" noChangeAspect="1"/>
-          </p:cNvSpPr>
-          <p:nvPr>
-            <p:ph type="sldImg"/>
-          </p:nvPr>
-        </p:nvSpPr>
-        <p:spPr/>
-      </p:sp>
-      <p:sp>
-        <p:nvSpPr>
-          <p:cNvPr id="3" name="Notes Placeholder 2"/>
-          <p:cNvSpPr>
-            <a:spLocks noGrp="1"/>
-          </p:cNvSpPr>
-          <p:nvPr>
-            <p:ph type="body" idx="1"/>
-          </p:nvPr>
-        </p:nvSpPr>
-        <p:spPr/>
-        <p:txBody>
-          <a:bodyPr/>
-          <a:lstStyle/>
-          <a:p>
-            <a:pPr marL="0" indent="0">
-              <a:buFontTx/>
-              <a:buNone/>
-            </a:pPr>
-            <a:r>
-              <a:rPr lang="en-GB" dirty="0"/>
-              <a:t>-  Version options: https://neelbhatt.com/2018/04/21/api-versioning-in-net-core/</a:t>
-            </a:r>
-            <a:endParaRPr lang="en-NL" dirty="0"/>
-          </a:p>
-        </p:txBody>
-      </p:sp>
-      <p:sp>
-        <p:nvSpPr>
-          <p:cNvPr id="4" name="Slide Number Placeholder 3"/>
-          <p:cNvSpPr>
-            <a:spLocks noGrp="1"/>
-          </p:cNvSpPr>
-          <p:nvPr>
-            <p:ph type="sldNum" sz="quarter" idx="5"/>
-          </p:nvPr>
-        </p:nvSpPr>
-        <p:spPr/>
-        <p:txBody>
-          <a:bodyPr/>
-          <a:lstStyle/>
-          <a:p>
-            <a:fld id="{512CD03F-D563-42E4-B6A0-ADC9791A9E93}" type="slidenum">
-              <a:rPr lang="en-NL" smtClean="0"/>
-              <a:t>5</a:t>
-            </a:fld>
-            <a:endParaRPr lang="en-NL"/>
-          </a:p>
-        </p:txBody>
-      </p:sp>
-    </p:spTree>
-    <p:extLst>
-      <p:ext uri="{BB962C8B-B14F-4D97-AF65-F5344CB8AC3E}">
-        <p14:creationId xmlns:p14="http://schemas.microsoft.com/office/powerpoint/2010/main" val="1207724453"/>
-      </p:ext>
-    </p:extLst>
-  </p:cSld>
-  <p:clrMapOvr>
-    <a:masterClrMapping/>
-  </p:clrMapOvr>
-</p:notes>
-</file>
-
-<file path=ppt/notesSlides/notesSlide4.xml><?xml version="1.0" encoding="utf-8"?>
-<p:notes xmlns:a="http://schemas.openxmlformats.org/drawingml/2006/main" xmlns:r="http://schemas.openxmlformats.org/officeDocument/2006/relationships" xmlns:p="http://schemas.openxmlformats.org/presentationml/2006/main">
-  <p:cSld>
-    <p:spTree>
-      <p:nvGrpSpPr>
-        <p:cNvPr id="1" name=""/>
-        <p:cNvGrpSpPr/>
-        <p:nvPr/>
-      </p:nvGrpSpPr>
-      <p:grpSpPr>
-        <a:xfrm>
-          <a:off x="0" y="0"/>
-          <a:ext cx="0" cy="0"/>
-          <a:chOff x="0" y="0"/>
-          <a:chExt cx="0" cy="0"/>
-        </a:xfrm>
-      </p:grpSpPr>
-      <p:sp>
-        <p:nvSpPr>
-          <p:cNvPr id="2" name="Slide Image Placeholder 1"/>
-          <p:cNvSpPr>
-            <a:spLocks noGrp="1" noRot="1" noChangeAspect="1"/>
-          </p:cNvSpPr>
-          <p:nvPr>
-            <p:ph type="sldImg"/>
-          </p:nvPr>
-        </p:nvSpPr>
-        <p:spPr/>
-      </p:sp>
-      <p:sp>
-        <p:nvSpPr>
-          <p:cNvPr id="3" name="Notes Placeholder 2"/>
-          <p:cNvSpPr>
-            <a:spLocks noGrp="1"/>
-          </p:cNvSpPr>
-          <p:nvPr>
-            <p:ph type="body" idx="1"/>
-          </p:nvPr>
-        </p:nvSpPr>
-        <p:spPr/>
-        <p:txBody>
-          <a:bodyPr/>
-          <a:lstStyle/>
-          <a:p>
-            <a:r>
-              <a:rPr lang="en-GB" dirty="0"/>
-              <a:t>https://docs.microsoft.com/en-us/aspnet/core/tutorials/getting-started-with-swashbuckle?view=aspnetcore-2.2&amp;tabs=visual-studio</a:t>
-            </a:r>
-            <a:endParaRPr lang="en-NL" dirty="0"/>
-          </a:p>
-        </p:txBody>
-      </p:sp>
-      <p:sp>
-        <p:nvSpPr>
-          <p:cNvPr id="4" name="Slide Number Placeholder 3"/>
-          <p:cNvSpPr>
-            <a:spLocks noGrp="1"/>
-          </p:cNvSpPr>
-          <p:nvPr>
-            <p:ph type="sldNum" sz="quarter" idx="5"/>
-          </p:nvPr>
-        </p:nvSpPr>
-        <p:spPr/>
-        <p:txBody>
-          <a:bodyPr/>
-          <a:lstStyle/>
-          <a:p>
-            <a:fld id="{512CD03F-D563-42E4-B6A0-ADC9791A9E93}" type="slidenum">
-              <a:rPr lang="en-NL" smtClean="0"/>
-              <a:t>6</a:t>
-            </a:fld>
-            <a:endParaRPr lang="en-NL"/>
-          </a:p>
-        </p:txBody>
-      </p:sp>
-    </p:spTree>
-    <p:extLst>
-      <p:ext uri="{BB962C8B-B14F-4D97-AF65-F5344CB8AC3E}">
-        <p14:creationId xmlns:p14="http://schemas.microsoft.com/office/powerpoint/2010/main" val="1220888968"/>
+        <p14:creationId xmlns:p14="http://schemas.microsoft.com/office/powerpoint/2010/main" val="96084881"/>
       </p:ext>
     </p:extLst>
   </p:cSld>
@@ -1147,7 +911,7 @@
           <a:p>
             <a:fld id="{94BB1E4B-6BAD-4B53-9078-FE57BE311D48}" type="datetimeFigureOut">
               <a:rPr lang="en-NL" smtClean="0"/>
-              <a:t>02/12/2019</a:t>
+              <a:t>13/02/2019</a:t>
             </a:fld>
             <a:endParaRPr lang="en-NL"/>
           </a:p>
@@ -1194,7 +958,7 @@
           <a:p>
             <a:fld id="{15960244-D96A-4B1C-A2AF-6138200741F2}" type="slidenum">
               <a:rPr lang="en-NL" smtClean="0"/>
-              <a:t>‹nr.›</a:t>
+              <a:t>‹#›</a:t>
             </a:fld>
             <a:endParaRPr lang="en-NL"/>
           </a:p>
@@ -1561,7 +1325,7 @@
           <a:p>
             <a:fld id="{94BB1E4B-6BAD-4B53-9078-FE57BE311D48}" type="datetimeFigureOut">
               <a:rPr lang="en-NL" smtClean="0"/>
-              <a:t>02/12/2019</a:t>
+              <a:t>13/02/2019</a:t>
             </a:fld>
             <a:endParaRPr lang="en-NL"/>
           </a:p>
@@ -1608,7 +1372,7 @@
           <a:p>
             <a:fld id="{15960244-D96A-4B1C-A2AF-6138200741F2}" type="slidenum">
               <a:rPr lang="en-NL" smtClean="0"/>
-              <a:t>‹nr.›</a:t>
+              <a:t>‹#›</a:t>
             </a:fld>
             <a:endParaRPr lang="en-NL"/>
           </a:p>
@@ -1897,7 +1661,7 @@
           <a:p>
             <a:fld id="{94BB1E4B-6BAD-4B53-9078-FE57BE311D48}" type="datetimeFigureOut">
               <a:rPr lang="en-NL" smtClean="0"/>
-              <a:t>02/12/2019</a:t>
+              <a:t>13/02/2019</a:t>
             </a:fld>
             <a:endParaRPr lang="en-NL"/>
           </a:p>
@@ -1944,7 +1708,7 @@
           <a:p>
             <a:fld id="{15960244-D96A-4B1C-A2AF-6138200741F2}" type="slidenum">
               <a:rPr lang="en-NL" smtClean="0"/>
-              <a:t>‹nr.›</a:t>
+              <a:t>‹#›</a:t>
             </a:fld>
             <a:endParaRPr lang="en-NL"/>
           </a:p>
@@ -2302,7 +2066,7 @@
           <a:p>
             <a:fld id="{94BB1E4B-6BAD-4B53-9078-FE57BE311D48}" type="datetimeFigureOut">
               <a:rPr lang="en-NL" smtClean="0"/>
-              <a:t>02/12/2019</a:t>
+              <a:t>13/02/2019</a:t>
             </a:fld>
             <a:endParaRPr lang="en-NL"/>
           </a:p>
@@ -2349,7 +2113,7 @@
           <a:p>
             <a:fld id="{15960244-D96A-4B1C-A2AF-6138200741F2}" type="slidenum">
               <a:rPr lang="en-NL" smtClean="0"/>
-              <a:t>‹nr.›</a:t>
+              <a:t>‹#›</a:t>
             </a:fld>
             <a:endParaRPr lang="en-NL"/>
           </a:p>
@@ -2870,7 +2634,7 @@
           <a:p>
             <a:fld id="{94BB1E4B-6BAD-4B53-9078-FE57BE311D48}" type="datetimeFigureOut">
               <a:rPr lang="en-NL" smtClean="0"/>
-              <a:t>02/12/2019</a:t>
+              <a:t>13/02/2019</a:t>
             </a:fld>
             <a:endParaRPr lang="en-NL"/>
           </a:p>
@@ -2917,7 +2681,7 @@
           <a:p>
             <a:fld id="{15960244-D96A-4B1C-A2AF-6138200741F2}" type="slidenum">
               <a:rPr lang="en-NL" smtClean="0"/>
-              <a:t>‹nr.›</a:t>
+              <a:t>‹#›</a:t>
             </a:fld>
             <a:endParaRPr lang="en-NL"/>
           </a:p>
@@ -3551,7 +3315,7 @@
           <a:p>
             <a:fld id="{94BB1E4B-6BAD-4B53-9078-FE57BE311D48}" type="datetimeFigureOut">
               <a:rPr lang="en-NL" smtClean="0"/>
-              <a:t>02/12/2019</a:t>
+              <a:t>13/02/2019</a:t>
             </a:fld>
             <a:endParaRPr lang="en-NL"/>
           </a:p>
@@ -3593,7 +3357,7 @@
           <a:p>
             <a:fld id="{15960244-D96A-4B1C-A2AF-6138200741F2}" type="slidenum">
               <a:rPr lang="en-NL" smtClean="0"/>
-              <a:t>‹nr.›</a:t>
+              <a:t>‹#›</a:t>
             </a:fld>
             <a:endParaRPr lang="en-NL"/>
           </a:p>
@@ -4464,7 +4228,7 @@
           <a:p>
             <a:fld id="{94BB1E4B-6BAD-4B53-9078-FE57BE311D48}" type="datetimeFigureOut">
               <a:rPr lang="en-NL" smtClean="0"/>
-              <a:t>02/12/2019</a:t>
+              <a:t>13/02/2019</a:t>
             </a:fld>
             <a:endParaRPr lang="en-NL"/>
           </a:p>
@@ -4506,7 +4270,7 @@
           <a:p>
             <a:fld id="{15960244-D96A-4B1C-A2AF-6138200741F2}" type="slidenum">
               <a:rPr lang="en-NL" smtClean="0"/>
-              <a:t>‹nr.›</a:t>
+              <a:t>‹#›</a:t>
             </a:fld>
             <a:endParaRPr lang="en-NL"/>
           </a:p>
@@ -4777,7 +4541,7 @@
           <a:p>
             <a:fld id="{94BB1E4B-6BAD-4B53-9078-FE57BE311D48}" type="datetimeFigureOut">
               <a:rPr lang="en-NL" smtClean="0"/>
-              <a:t>02/12/2019</a:t>
+              <a:t>13/02/2019</a:t>
             </a:fld>
             <a:endParaRPr lang="en-NL"/>
           </a:p>
@@ -4819,7 +4583,7 @@
           <a:p>
             <a:fld id="{15960244-D96A-4B1C-A2AF-6138200741F2}" type="slidenum">
               <a:rPr lang="en-NL" smtClean="0"/>
-              <a:t>‹nr.›</a:t>
+              <a:t>‹#›</a:t>
             </a:fld>
             <a:endParaRPr lang="en-NL"/>
           </a:p>
@@ -5041,7 +4805,7 @@
           <a:p>
             <a:fld id="{94BB1E4B-6BAD-4B53-9078-FE57BE311D48}" type="datetimeFigureOut">
               <a:rPr lang="en-NL" smtClean="0"/>
-              <a:t>02/12/2019</a:t>
+              <a:t>13/02/2019</a:t>
             </a:fld>
             <a:endParaRPr lang="en-NL"/>
           </a:p>
@@ -5097,7 +4861,7 @@
           <a:p>
             <a:fld id="{15960244-D96A-4B1C-A2AF-6138200741F2}" type="slidenum">
               <a:rPr lang="en-NL" smtClean="0"/>
-              <a:t>‹nr.›</a:t>
+              <a:t>‹#›</a:t>
             </a:fld>
             <a:endParaRPr lang="en-NL"/>
           </a:p>
@@ -5364,7 +5128,7 @@
           <a:p>
             <a:fld id="{94BB1E4B-6BAD-4B53-9078-FE57BE311D48}" type="datetimeFigureOut">
               <a:rPr lang="en-NL" smtClean="0"/>
-              <a:t>02/12/2019</a:t>
+              <a:t>13/02/2019</a:t>
             </a:fld>
             <a:endParaRPr lang="en-NL"/>
           </a:p>
@@ -5406,7 +5170,7 @@
           <a:p>
             <a:fld id="{15960244-D96A-4B1C-A2AF-6138200741F2}" type="slidenum">
               <a:rPr lang="en-NL" smtClean="0"/>
-              <a:t>‹nr.›</a:t>
+              <a:t>‹#›</a:t>
             </a:fld>
             <a:endParaRPr lang="en-NL"/>
           </a:p>
@@ -5753,7 +5517,7 @@
           <a:p>
             <a:fld id="{94BB1E4B-6BAD-4B53-9078-FE57BE311D48}" type="datetimeFigureOut">
               <a:rPr lang="en-NL" smtClean="0"/>
-              <a:t>02/12/2019</a:t>
+              <a:t>13/02/2019</a:t>
             </a:fld>
             <a:endParaRPr lang="en-NL"/>
           </a:p>
@@ -5800,7 +5564,7 @@
           <a:p>
             <a:fld id="{15960244-D96A-4B1C-A2AF-6138200741F2}" type="slidenum">
               <a:rPr lang="en-NL" smtClean="0"/>
-              <a:t>‹nr.›</a:t>
+              <a:t>‹#›</a:t>
             </a:fld>
             <a:endParaRPr lang="en-NL"/>
           </a:p>
@@ -6129,7 +5893,7 @@
           <a:p>
             <a:fld id="{94BB1E4B-6BAD-4B53-9078-FE57BE311D48}" type="datetimeFigureOut">
               <a:rPr lang="en-NL" smtClean="0"/>
-              <a:t>02/12/2019</a:t>
+              <a:t>13/02/2019</a:t>
             </a:fld>
             <a:endParaRPr lang="en-NL"/>
           </a:p>
@@ -6171,7 +5935,7 @@
           <a:p>
             <a:fld id="{15960244-D96A-4B1C-A2AF-6138200741F2}" type="slidenum">
               <a:rPr lang="en-NL" smtClean="0"/>
-              <a:t>‹nr.›</a:t>
+              <a:t>‹#›</a:t>
             </a:fld>
             <a:endParaRPr lang="en-NL"/>
           </a:p>
@@ -6635,7 +6399,7 @@
           <a:p>
             <a:fld id="{94BB1E4B-6BAD-4B53-9078-FE57BE311D48}" type="datetimeFigureOut">
               <a:rPr lang="en-NL" smtClean="0"/>
-              <a:t>02/12/2019</a:t>
+              <a:t>13/02/2019</a:t>
             </a:fld>
             <a:endParaRPr lang="en-NL"/>
           </a:p>
@@ -6677,7 +6441,7 @@
           <a:p>
             <a:fld id="{15960244-D96A-4B1C-A2AF-6138200741F2}" type="slidenum">
               <a:rPr lang="en-NL" smtClean="0"/>
-              <a:t>‹nr.›</a:t>
+              <a:t>‹#›</a:t>
             </a:fld>
             <a:endParaRPr lang="en-NL"/>
           </a:p>
@@ -6892,7 +6656,7 @@
           <a:p>
             <a:fld id="{94BB1E4B-6BAD-4B53-9078-FE57BE311D48}" type="datetimeFigureOut">
               <a:rPr lang="en-NL" smtClean="0"/>
-              <a:t>02/12/2019</a:t>
+              <a:t>13/02/2019</a:t>
             </a:fld>
             <a:endParaRPr lang="en-NL"/>
           </a:p>
@@ -6934,7 +6698,7 @@
           <a:p>
             <a:fld id="{15960244-D96A-4B1C-A2AF-6138200741F2}" type="slidenum">
               <a:rPr lang="en-NL" smtClean="0"/>
-              <a:t>‹nr.›</a:t>
+              <a:t>‹#›</a:t>
             </a:fld>
             <a:endParaRPr lang="en-NL"/>
           </a:p>
@@ -7055,7 +6819,7 @@
           <a:p>
             <a:fld id="{94BB1E4B-6BAD-4B53-9078-FE57BE311D48}" type="datetimeFigureOut">
               <a:rPr lang="en-NL" smtClean="0"/>
-              <a:t>02/12/2019</a:t>
+              <a:t>13/02/2019</a:t>
             </a:fld>
             <a:endParaRPr lang="en-NL"/>
           </a:p>
@@ -7097,7 +6861,7 @@
           <a:p>
             <a:fld id="{15960244-D96A-4B1C-A2AF-6138200741F2}" type="slidenum">
               <a:rPr lang="en-NL" smtClean="0"/>
-              <a:t>‹nr.›</a:t>
+              <a:t>‹#›</a:t>
             </a:fld>
             <a:endParaRPr lang="en-NL"/>
           </a:p>
@@ -7445,7 +7209,7 @@
           <a:p>
             <a:fld id="{94BB1E4B-6BAD-4B53-9078-FE57BE311D48}" type="datetimeFigureOut">
               <a:rPr lang="en-NL" smtClean="0"/>
-              <a:t>02/12/2019</a:t>
+              <a:t>13/02/2019</a:t>
             </a:fld>
             <a:endParaRPr lang="en-NL"/>
           </a:p>
@@ -7487,7 +7251,7 @@
           <a:p>
             <a:fld id="{15960244-D96A-4B1C-A2AF-6138200741F2}" type="slidenum">
               <a:rPr lang="en-NL" smtClean="0"/>
-              <a:t>‹nr.›</a:t>
+              <a:t>‹#›</a:t>
             </a:fld>
             <a:endParaRPr lang="en-NL"/>
           </a:p>
@@ -7854,7 +7618,7 @@
           <a:p>
             <a:fld id="{94BB1E4B-6BAD-4B53-9078-FE57BE311D48}" type="datetimeFigureOut">
               <a:rPr lang="en-NL" smtClean="0"/>
-              <a:t>02/12/2019</a:t>
+              <a:t>13/02/2019</a:t>
             </a:fld>
             <a:endParaRPr lang="en-NL"/>
           </a:p>
@@ -7896,7 +7660,7 @@
           <a:p>
             <a:fld id="{15960244-D96A-4B1C-A2AF-6138200741F2}" type="slidenum">
               <a:rPr lang="en-NL" smtClean="0"/>
-              <a:t>‹nr.›</a:t>
+              <a:t>‹#›</a:t>
             </a:fld>
             <a:endParaRPr lang="en-NL"/>
           </a:p>
@@ -8098,7 +7862,7 @@
           <a:p>
             <a:fld id="{94BB1E4B-6BAD-4B53-9078-FE57BE311D48}" type="datetimeFigureOut">
               <a:rPr lang="en-NL" smtClean="0"/>
-              <a:t>02/12/2019</a:t>
+              <a:t>13/02/2019</a:t>
             </a:fld>
             <a:endParaRPr lang="en-NL"/>
           </a:p>
@@ -8176,7 +7940,7 @@
           <a:p>
             <a:fld id="{15960244-D96A-4B1C-A2AF-6138200741F2}" type="slidenum">
               <a:rPr lang="en-NL" smtClean="0"/>
-              <a:t>‹nr.›</a:t>
+              <a:t>‹#›</a:t>
             </a:fld>
             <a:endParaRPr lang="en-NL"/>
           </a:p>
@@ -8602,251 +8366,6 @@
 </p:sld>
 </file>
 
-<file path=ppt/slides/slide10.xml><?xml version="1.0" encoding="utf-8"?>
-<p:sld xmlns:a="http://schemas.openxmlformats.org/drawingml/2006/main" xmlns:r="http://schemas.openxmlformats.org/officeDocument/2006/relationships" xmlns:p="http://schemas.openxmlformats.org/presentationml/2006/main">
-  <p:cSld>
-    <p:spTree>
-      <p:nvGrpSpPr>
-        <p:cNvPr id="1" name=""/>
-        <p:cNvGrpSpPr/>
-        <p:nvPr/>
-      </p:nvGrpSpPr>
-      <p:grpSpPr>
-        <a:xfrm>
-          <a:off x="0" y="0"/>
-          <a:ext cx="0" cy="0"/>
-          <a:chOff x="0" y="0"/>
-          <a:chExt cx="0" cy="0"/>
-        </a:xfrm>
-      </p:grpSpPr>
-      <p:sp>
-        <p:nvSpPr>
-          <p:cNvPr id="2" name="Title 1">
-            <a:extLst>
-              <a:ext uri="{FF2B5EF4-FFF2-40B4-BE49-F238E27FC236}">
-                <a16:creationId xmlns:a16="http://schemas.microsoft.com/office/drawing/2014/main" id="{B1A0196D-2F51-4389-85FF-A617D7937107}"/>
-              </a:ext>
-            </a:extLst>
-          </p:cNvPr>
-          <p:cNvSpPr>
-            <a:spLocks noGrp="1"/>
-          </p:cNvSpPr>
-          <p:nvPr>
-            <p:ph type="title"/>
-          </p:nvPr>
-        </p:nvSpPr>
-        <p:spPr/>
-        <p:txBody>
-          <a:bodyPr/>
-          <a:lstStyle/>
-          <a:p>
-            <a:r>
-              <a:rPr lang="nl-NL" dirty="0" err="1"/>
-              <a:t>Sharif</a:t>
-            </a:r>
-            <a:r>
-              <a:rPr lang="nl-NL" dirty="0"/>
-              <a:t>, welke smaak</a:t>
-            </a:r>
-            <a:endParaRPr lang="en-NL" dirty="0"/>
-          </a:p>
-        </p:txBody>
-      </p:sp>
-      <p:sp>
-        <p:nvSpPr>
-          <p:cNvPr id="6" name="TextBox 2">
-            <a:extLst>
-              <a:ext uri="{FF2B5EF4-FFF2-40B4-BE49-F238E27FC236}">
-                <a16:creationId xmlns:a16="http://schemas.microsoft.com/office/drawing/2014/main" id="{F04F4597-3CEC-4C6D-9F51-BC482E772137}"/>
-              </a:ext>
-            </a:extLst>
-          </p:cNvPr>
-          <p:cNvSpPr txBox="1"/>
-          <p:nvPr/>
-        </p:nvSpPr>
-        <p:spPr>
-          <a:xfrm>
-            <a:off x="1317072" y="2483141"/>
-            <a:ext cx="7373922" cy="1477328"/>
-          </a:xfrm>
-          <a:prstGeom prst="rect">
-            <a:avLst/>
-          </a:prstGeom>
-          <a:noFill/>
-        </p:spPr>
-        <p:txBody>
-          <a:bodyPr wrap="square" rtlCol="0">
-            <a:spAutoFit/>
-          </a:bodyPr>
-          <a:lstStyle/>
-          <a:p>
-            <a:pPr marL="285750" indent="-285750">
-              <a:buFont typeface="Arial" panose="020B0604020202020204" pitchFamily="34" charset="0"/>
-              <a:buChar char="•"/>
-            </a:pPr>
-            <a:r>
-              <a:rPr lang="en-GB" dirty="0"/>
-              <a:t>Templates</a:t>
-            </a:r>
-          </a:p>
-          <a:p>
-            <a:pPr marL="742950" lvl="1" indent="-285750">
-              <a:buFont typeface="Arial" panose="020B0604020202020204" pitchFamily="34" charset="0"/>
-              <a:buChar char="•"/>
-            </a:pPr>
-            <a:r>
-              <a:rPr lang="en-GB" dirty="0"/>
-              <a:t>Entity Framework</a:t>
-            </a:r>
-          </a:p>
-          <a:p>
-            <a:pPr marL="1200150" lvl="2" indent="-285750">
-              <a:buFont typeface="Arial" panose="020B0604020202020204" pitchFamily="34" charset="0"/>
-              <a:buChar char="•"/>
-            </a:pPr>
-            <a:r>
-              <a:rPr lang="en-GB" dirty="0"/>
-              <a:t>Configuration</a:t>
-            </a:r>
-          </a:p>
-          <a:p>
-            <a:pPr marL="1200150" lvl="2" indent="-285750">
-              <a:buFont typeface="Arial" panose="020B0604020202020204" pitchFamily="34" charset="0"/>
-              <a:buChar char="•"/>
-            </a:pPr>
-            <a:r>
-              <a:rPr lang="en-GB" dirty="0"/>
-              <a:t>Storage</a:t>
-            </a:r>
-          </a:p>
-          <a:p>
-            <a:pPr marL="742950" lvl="1" indent="-285750">
-              <a:buFont typeface="Arial" panose="020B0604020202020204" pitchFamily="34" charset="0"/>
-              <a:buChar char="•"/>
-            </a:pPr>
-            <a:r>
-              <a:rPr lang="en-GB" dirty="0"/>
-              <a:t>ASP.</a:t>
-            </a:r>
-            <a:r>
-              <a:rPr lang="en-GB"/>
-              <a:t>NET Identit</a:t>
-            </a:r>
-            <a:r>
-              <a:rPr lang="en-GB" dirty="0"/>
-              <a:t>y</a:t>
-            </a:r>
-            <a:endParaRPr lang="en-GB"/>
-          </a:p>
-        </p:txBody>
-      </p:sp>
-      <p:pic>
-        <p:nvPicPr>
-          <p:cNvPr id="3" name="Picture 2" descr="https://cdn-images-1.medium.com/max/1600/1*19hDux91qpoShfe7tXE5xg.png">
-            <a:extLst>
-              <a:ext uri="{FF2B5EF4-FFF2-40B4-BE49-F238E27FC236}">
-                <a16:creationId xmlns:a16="http://schemas.microsoft.com/office/drawing/2014/main" id="{878E014E-DBD5-4547-85F8-58A89269A69E}"/>
-              </a:ext>
-            </a:extLst>
-          </p:cNvPr>
-          <p:cNvPicPr>
-            <a:picLocks noChangeAspect="1" noChangeArrowheads="1"/>
-          </p:cNvPicPr>
-          <p:nvPr/>
-        </p:nvPicPr>
-        <p:blipFill>
-          <a:blip r:embed="rId2">
-            <a:extLst>
-              <a:ext uri="{28A0092B-C50C-407E-A947-70E740481C1C}">
-                <a14:useLocalDpi xmlns:a14="http://schemas.microsoft.com/office/drawing/2010/main" val="0"/>
-              </a:ext>
-            </a:extLst>
-          </a:blip>
-          <a:srcRect/>
-          <a:stretch>
-            <a:fillRect/>
-          </a:stretch>
-        </p:blipFill>
-        <p:spPr bwMode="auto">
-          <a:xfrm>
-            <a:off x="8953538" y="2035837"/>
-            <a:ext cx="2681287" cy="1633271"/>
-          </a:xfrm>
-          <a:prstGeom prst="rect">
-            <a:avLst/>
-          </a:prstGeom>
-          <a:noFill/>
-          <a:extLst>
-            <a:ext uri="{909E8E84-426E-40DD-AFC4-6F175D3DCCD1}">
-              <a14:hiddenFill xmlns:a14="http://schemas.microsoft.com/office/drawing/2010/main">
-                <a:solidFill>
-                  <a:srgbClr val="FFFFFF"/>
-                </a:solidFill>
-              </a14:hiddenFill>
-            </a:ext>
-          </a:extLst>
-        </p:spPr>
-      </p:pic>
-      <p:pic>
-        <p:nvPicPr>
-          <p:cNvPr id="1028" name="Picture 4" descr="Afbeeldingsresultaat voor asp net identity logo">
-            <a:extLst>
-              <a:ext uri="{FF2B5EF4-FFF2-40B4-BE49-F238E27FC236}">
-                <a16:creationId xmlns:a16="http://schemas.microsoft.com/office/drawing/2014/main" id="{5BE9678D-D473-4EFA-8BAA-970D143489F6}"/>
-              </a:ext>
-            </a:extLst>
-          </p:cNvPr>
-          <p:cNvPicPr>
-            <a:picLocks noChangeAspect="1" noChangeArrowheads="1"/>
-          </p:cNvPicPr>
-          <p:nvPr/>
-        </p:nvPicPr>
-        <p:blipFill>
-          <a:blip r:embed="rId3">
-            <a:extLst>
-              <a:ext uri="{28A0092B-C50C-407E-A947-70E740481C1C}">
-                <a14:useLocalDpi xmlns:a14="http://schemas.microsoft.com/office/drawing/2010/main" val="0"/>
-              </a:ext>
-            </a:extLst>
-          </a:blip>
-          <a:srcRect/>
-          <a:stretch>
-            <a:fillRect/>
-          </a:stretch>
-        </p:blipFill>
-        <p:spPr bwMode="auto">
-          <a:xfrm>
-            <a:off x="9538602" y="3870779"/>
-            <a:ext cx="1511157" cy="1633271"/>
-          </a:xfrm>
-          <a:prstGeom prst="rect">
-            <a:avLst/>
-          </a:prstGeom>
-          <a:noFill/>
-          <a:extLst>
-            <a:ext uri="{909E8E84-426E-40DD-AFC4-6F175D3DCCD1}">
-              <a14:hiddenFill xmlns:a14="http://schemas.microsoft.com/office/drawing/2010/main">
-                <a:solidFill>
-                  <a:srgbClr val="FFFFFF"/>
-                </a:solidFill>
-              </a14:hiddenFill>
-            </a:ext>
-          </a:extLst>
-        </p:spPr>
-      </p:pic>
-    </p:spTree>
-    <p:extLst>
-      <p:ext uri="{BB962C8B-B14F-4D97-AF65-F5344CB8AC3E}">
-        <p14:creationId xmlns:p14="http://schemas.microsoft.com/office/powerpoint/2010/main" val="1818021316"/>
-      </p:ext>
-    </p:extLst>
-  </p:cSld>
-  <p:clrMapOvr>
-    <a:masterClrMapping/>
-  </p:clrMapOvr>
-</p:sld>
-</file>
-
 <file path=ppt/slides/slide2.xml><?xml version="1.0" encoding="utf-8"?>
 <p:sld xmlns:a="http://schemas.openxmlformats.org/drawingml/2006/main" xmlns:r="http://schemas.openxmlformats.org/officeDocument/2006/relationships" xmlns:p="http://schemas.openxmlformats.org/presentationml/2006/main">
   <p:cSld>
@@ -8927,137 +8446,6 @@
       </p:sp>
       <p:sp>
         <p:nvSpPr>
-          <p:cNvPr id="3" name="TextBox 2">
-            <a:extLst>
-              <a:ext uri="{FF2B5EF4-FFF2-40B4-BE49-F238E27FC236}">
-                <a16:creationId xmlns:a16="http://schemas.microsoft.com/office/drawing/2014/main" id="{14DB7BE6-484E-425A-9EFB-5C3CC7BFF3D7}"/>
-              </a:ext>
-            </a:extLst>
-          </p:cNvPr>
-          <p:cNvSpPr txBox="1"/>
-          <p:nvPr/>
-        </p:nvSpPr>
-        <p:spPr>
-          <a:xfrm>
-            <a:off x="1166070" y="2052505"/>
-            <a:ext cx="8028264" cy="2031325"/>
-          </a:xfrm>
-          <a:prstGeom prst="rect">
-            <a:avLst/>
-          </a:prstGeom>
-          <a:noFill/>
-        </p:spPr>
-        <p:txBody>
-          <a:bodyPr wrap="square" rtlCol="0">
-            <a:spAutoFit/>
-          </a:bodyPr>
-          <a:lstStyle/>
-          <a:p>
-            <a:pPr marL="285750" indent="-285750">
-              <a:buFont typeface="Arial" panose="020B0604020202020204" pitchFamily="34" charset="0"/>
-              <a:buChar char="•"/>
-            </a:pPr>
-            <a:r>
-              <a:rPr lang="en-GB" dirty="0"/>
-              <a:t>.NET CORE 3 (</a:t>
-            </a:r>
-            <a:r>
-              <a:rPr lang="en-GB" dirty="0" err="1"/>
-              <a:t>WebAPI</a:t>
-            </a:r>
-            <a:r>
-              <a:rPr lang="en-GB" dirty="0"/>
-              <a:t>).</a:t>
-            </a:r>
-          </a:p>
-          <a:p>
-            <a:pPr marL="742950" lvl="1" indent="-285750">
-              <a:buFont typeface="Arial" panose="020B0604020202020204" pitchFamily="34" charset="0"/>
-              <a:buChar char="•"/>
-            </a:pPr>
-            <a:r>
-              <a:rPr lang="en-GB" dirty="0"/>
-              <a:t>Project structure</a:t>
-            </a:r>
-          </a:p>
-          <a:p>
-            <a:pPr marL="742950" lvl="1" indent="-285750">
-              <a:buFont typeface="Arial" panose="020B0604020202020204" pitchFamily="34" charset="0"/>
-              <a:buChar char="•"/>
-            </a:pPr>
-            <a:r>
-              <a:rPr lang="en-GB" dirty="0"/>
-              <a:t>Routing</a:t>
-            </a:r>
-          </a:p>
-          <a:p>
-            <a:pPr marL="742950" lvl="1" indent="-285750">
-              <a:buFont typeface="Arial" panose="020B0604020202020204" pitchFamily="34" charset="0"/>
-              <a:buChar char="•"/>
-            </a:pPr>
-            <a:r>
-              <a:rPr lang="en-GB" dirty="0"/>
-              <a:t>Versioning</a:t>
-            </a:r>
-          </a:p>
-          <a:p>
-            <a:pPr marL="742950" lvl="1" indent="-285750">
-              <a:buFont typeface="Arial" panose="020B0604020202020204" pitchFamily="34" charset="0"/>
-              <a:buChar char="•"/>
-            </a:pPr>
-            <a:r>
-              <a:rPr lang="en-GB" dirty="0"/>
-              <a:t>Documentation</a:t>
-            </a:r>
-          </a:p>
-          <a:p>
-            <a:pPr marL="742950" lvl="1" indent="-285750">
-              <a:buFont typeface="Arial" panose="020B0604020202020204" pitchFamily="34" charset="0"/>
-              <a:buChar char="•"/>
-            </a:pPr>
-            <a:r>
-              <a:rPr lang="en-GB" dirty="0"/>
-              <a:t>Health checks.</a:t>
-            </a:r>
-          </a:p>
-          <a:p>
-            <a:pPr marL="742950" lvl="1" indent="-285750">
-              <a:buFont typeface="Arial" panose="020B0604020202020204" pitchFamily="34" charset="0"/>
-              <a:buChar char="•"/>
-            </a:pPr>
-            <a:r>
-              <a:rPr lang="en-GB" dirty="0"/>
-              <a:t>Wat is </a:t>
-            </a:r>
-            <a:r>
-              <a:rPr lang="en-GB" dirty="0" err="1"/>
-              <a:t>er</a:t>
-            </a:r>
-            <a:r>
-              <a:rPr lang="en-GB" dirty="0"/>
-              <a:t> </a:t>
-            </a:r>
-            <a:r>
-              <a:rPr lang="en-GB" dirty="0" err="1"/>
-              <a:t>nog</a:t>
-            </a:r>
-            <a:r>
-              <a:rPr lang="en-GB" dirty="0"/>
-              <a:t> </a:t>
-            </a:r>
-            <a:r>
-              <a:rPr lang="en-GB" dirty="0" err="1"/>
-              <a:t>meer</a:t>
-            </a:r>
-            <a:r>
-              <a:rPr lang="en-GB" dirty="0"/>
-              <a:t> ? </a:t>
-            </a:r>
-          </a:p>
-        </p:txBody>
-      </p:sp>
-      <p:sp>
-        <p:nvSpPr>
           <p:cNvPr id="5" name="TextBox 4">
             <a:extLst>
               <a:ext uri="{FF2B5EF4-FFF2-40B4-BE49-F238E27FC236}">
@@ -9070,7 +8458,7 @@
         </p:nvSpPr>
         <p:spPr>
           <a:xfrm>
-            <a:off x="1166070" y="4752902"/>
+            <a:off x="1051770" y="2344239"/>
             <a:ext cx="5044230" cy="2308324"/>
           </a:xfrm>
           <a:prstGeom prst="rect">
@@ -9233,19 +8621,74 @@
           <a:lstStyle/>
           <a:p>
             <a:r>
-              <a:rPr lang="en-GB" dirty="0"/>
-              <a:t>.NET CORE project structure</a:t>
+              <a:rPr lang="nl-NL" dirty="0"/>
+              <a:t>Mustafa, </a:t>
+            </a:r>
+            <a:r>
+              <a:rPr lang="nl-NL" dirty="0" err="1"/>
+              <a:t>wat’s</a:t>
+            </a:r>
+            <a:r>
+              <a:rPr lang="nl-NL" dirty="0"/>
+              <a:t> deze?</a:t>
             </a:r>
             <a:endParaRPr lang="en-NL" dirty="0"/>
           </a:p>
         </p:txBody>
       </p:sp>
-      <p:sp>
-        <p:nvSpPr>
-          <p:cNvPr id="3" name="TextBox 2">
+      <p:pic>
+        <p:nvPicPr>
+          <p:cNvPr id="1026" name="Picture 2" descr="https://identityserver.io/images/IDserver_logotransparent.png">
             <a:extLst>
               <a:ext uri="{FF2B5EF4-FFF2-40B4-BE49-F238E27FC236}">
-                <a16:creationId xmlns:a16="http://schemas.microsoft.com/office/drawing/2014/main" id="{441487DF-5A79-4DAE-82C6-458CE4C04068}"/>
+                <a16:creationId xmlns:a16="http://schemas.microsoft.com/office/drawing/2014/main" id="{979BC39D-BA4D-40B3-8626-379EA88DE272}"/>
+              </a:ext>
+            </a:extLst>
+          </p:cNvPr>
+          <p:cNvPicPr>
+            <a:picLocks noChangeAspect="1" noChangeArrowheads="1"/>
+          </p:cNvPicPr>
+          <p:nvPr/>
+        </p:nvPicPr>
+        <p:blipFill>
+          <a:blip r:embed="rId3">
+            <a:extLst>
+              <a:ext uri="{28A0092B-C50C-407E-A947-70E740481C1C}">
+                <a14:useLocalDpi xmlns:a14="http://schemas.microsoft.com/office/drawing/2010/main" val="0"/>
+              </a:ext>
+            </a:extLst>
+          </a:blip>
+          <a:srcRect/>
+          <a:stretch>
+            <a:fillRect/>
+          </a:stretch>
+        </p:blipFill>
+        <p:spPr bwMode="auto">
+          <a:xfrm>
+            <a:off x="6149243" y="2551976"/>
+            <a:ext cx="3810000" cy="2581275"/>
+          </a:xfrm>
+          <a:prstGeom prst="rect">
+            <a:avLst/>
+          </a:prstGeom>
+          <a:noFill/>
+          <a:extLst>
+            <a:ext uri="{909E8E84-426E-40DD-AFC4-6F175D3DCCD1}">
+              <a14:hiddenFill xmlns:a14="http://schemas.microsoft.com/office/drawing/2010/main">
+                <a:solidFill>
+                  <a:srgbClr val="FFFFFF"/>
+                </a:solidFill>
+              </a14:hiddenFill>
+            </a:ext>
+          </a:extLst>
+        </p:spPr>
+      </p:pic>
+      <p:sp>
+        <p:nvSpPr>
+          <p:cNvPr id="6" name="TextBox 2">
+            <a:extLst>
+              <a:ext uri="{FF2B5EF4-FFF2-40B4-BE49-F238E27FC236}">
+                <a16:creationId xmlns:a16="http://schemas.microsoft.com/office/drawing/2014/main" id="{F04F4597-3CEC-4C6D-9F51-BC482E772137}"/>
               </a:ext>
             </a:extLst>
           </p:cNvPr>
@@ -9254,8 +8697,8 @@
         </p:nvSpPr>
         <p:spPr>
           <a:xfrm>
-            <a:off x="1359017" y="2483141"/>
-            <a:ext cx="7373922" cy="1200329"/>
+            <a:off x="680321" y="2202571"/>
+            <a:ext cx="4107269" cy="4524315"/>
           </a:xfrm>
           <a:prstGeom prst="rect">
             <a:avLst/>
@@ -9273,12 +8716,58 @@
               <a:buChar char="•"/>
             </a:pPr>
             <a:r>
-              <a:rPr lang="en-GB" dirty="0" err="1"/>
-              <a:t>Gelijkenis</a:t>
-            </a:r>
-            <a:r>
               <a:rPr lang="en-GB" dirty="0"/>
-              <a:t> met ASP.NET MVC.</a:t>
+              <a:t>Identity container</a:t>
+            </a:r>
+          </a:p>
+          <a:p>
+            <a:pPr marL="742950" lvl="1" indent="-285750">
+              <a:buFont typeface="Arial" panose="020B0604020202020204" pitchFamily="34" charset="0"/>
+              <a:buChar char="•"/>
+            </a:pPr>
+            <a:r>
+              <a:rPr lang="en-GB" dirty="0"/>
+              <a:t>Accounts</a:t>
+            </a:r>
+          </a:p>
+          <a:p>
+            <a:pPr marL="742950" lvl="1" indent="-285750">
+              <a:buFont typeface="Arial" panose="020B0604020202020204" pitchFamily="34" charset="0"/>
+              <a:buChar char="•"/>
+            </a:pPr>
+            <a:r>
+              <a:rPr lang="en-GB" dirty="0"/>
+              <a:t>Claims</a:t>
+            </a:r>
+          </a:p>
+          <a:p>
+            <a:pPr marL="742950" lvl="1" indent="-285750">
+              <a:buFont typeface="Arial" panose="020B0604020202020204" pitchFamily="34" charset="0"/>
+              <a:buChar char="•"/>
+            </a:pPr>
+            <a:r>
+              <a:rPr lang="en-GB" dirty="0"/>
+              <a:t>Clients</a:t>
+            </a:r>
+          </a:p>
+          <a:p>
+            <a:pPr marL="742950" lvl="1" indent="-285750">
+              <a:buFont typeface="Arial" panose="020B0604020202020204" pitchFamily="34" charset="0"/>
+              <a:buChar char="•"/>
+            </a:pPr>
+            <a:r>
+              <a:rPr lang="en-GB" dirty="0"/>
+              <a:t>API</a:t>
+            </a:r>
+          </a:p>
+          <a:p>
+            <a:pPr marL="742950" lvl="1" indent="-285750">
+              <a:buFont typeface="Arial" panose="020B0604020202020204" pitchFamily="34" charset="0"/>
+              <a:buChar char="•"/>
+            </a:pPr>
+            <a:r>
+              <a:rPr lang="en-GB" dirty="0"/>
+              <a:t>Devices</a:t>
             </a:r>
           </a:p>
           <a:p>
@@ -9287,20 +8776,38 @@
               <a:buChar char="•"/>
             </a:pPr>
             <a:r>
-              <a:rPr lang="en-GB" dirty="0" err="1"/>
-              <a:t>Gelijkenis</a:t>
-            </a:r>
-            <a:r>
               <a:rPr lang="en-GB" dirty="0"/>
-              <a:t> met Web </a:t>
-            </a:r>
-            <a:r>
-              <a:rPr lang="en-GB" dirty="0" err="1"/>
-              <a:t>applicaties</a:t>
-            </a:r>
+              <a:t>Identity gateway</a:t>
+            </a:r>
+          </a:p>
+          <a:p>
+            <a:pPr marL="742950" lvl="1" indent="-285750">
+              <a:buFont typeface="Arial" panose="020B0604020202020204" pitchFamily="34" charset="0"/>
+              <a:buChar char="•"/>
+            </a:pPr>
             <a:r>
               <a:rPr lang="en-GB" dirty="0"/>
-              <a:t>.</a:t>
+              <a:t>AD</a:t>
+            </a:r>
+          </a:p>
+          <a:p>
+            <a:pPr marL="742950" lvl="1" indent="-285750">
+              <a:buFont typeface="Arial" panose="020B0604020202020204" pitchFamily="34" charset="0"/>
+              <a:buChar char="•"/>
+            </a:pPr>
+            <a:r>
+              <a:rPr lang="en-GB" dirty="0"/>
+              <a:t>ADFS</a:t>
+            </a:r>
+          </a:p>
+          <a:p>
+            <a:pPr marL="742950" lvl="1" indent="-285750">
+              <a:buFont typeface="Arial" panose="020B0604020202020204" pitchFamily="34" charset="0"/>
+              <a:buChar char="•"/>
+            </a:pPr>
+            <a:r>
+              <a:rPr lang="en-GB" dirty="0"/>
+              <a:t>ASP.NET Identity</a:t>
             </a:r>
           </a:p>
           <a:p>
@@ -9309,20 +8816,15 @@
               <a:buChar char="•"/>
             </a:pPr>
             <a:r>
-              <a:rPr lang="en-GB" dirty="0" err="1"/>
-              <a:t>Opbouw</a:t>
-            </a:r>
-            <a:r>
               <a:rPr lang="en-GB" dirty="0"/>
-              <a:t> .NET CORE </a:t>
-            </a:r>
-            <a:r>
-              <a:rPr lang="en-GB" dirty="0" err="1"/>
-              <a:t>tegenover</a:t>
-            </a:r>
-            <a:r>
+              <a:t>Application (w32/w64/web) </a:t>
+            </a:r>
+            <a:br>
               <a:rPr lang="en-GB" dirty="0"/>
-              <a:t> ASP.NET.</a:t>
+            </a:br>
+            <a:r>
+              <a:rPr lang="en-GB" dirty="0"/>
+              <a:t>security provider</a:t>
             </a:r>
           </a:p>
           <a:p>
@@ -9332,16 +8834,42 @@
             </a:pPr>
             <a:r>
               <a:rPr lang="en-GB" dirty="0"/>
-              <a:t>Hosting.</a:t>
-            </a:r>
-            <a:endParaRPr lang="en-NL" dirty="0"/>
+              <a:t>SSO provider</a:t>
+            </a:r>
+          </a:p>
+          <a:p>
+            <a:pPr marL="742950" lvl="1" indent="-285750">
+              <a:buFont typeface="Arial" panose="020B0604020202020204" pitchFamily="34" charset="0"/>
+              <a:buChar char="•"/>
+            </a:pPr>
+            <a:r>
+              <a:rPr lang="en-GB" dirty="0"/>
+              <a:t>OpenID</a:t>
+            </a:r>
+          </a:p>
+          <a:p>
+            <a:pPr marL="742950" lvl="1" indent="-285750">
+              <a:buFont typeface="Arial" panose="020B0604020202020204" pitchFamily="34" charset="0"/>
+              <a:buChar char="•"/>
+            </a:pPr>
+            <a:r>
+              <a:rPr lang="en-GB" dirty="0"/>
+              <a:t>OAuth2.0</a:t>
+            </a:r>
+          </a:p>
+          <a:p>
+            <a:pPr marL="285750" indent="-285750">
+              <a:buFont typeface="Arial" panose="020B0604020202020204" pitchFamily="34" charset="0"/>
+              <a:buChar char="•"/>
+            </a:pPr>
+            <a:endParaRPr lang="en-GB" dirty="0"/>
           </a:p>
         </p:txBody>
       </p:sp>
     </p:spTree>
     <p:extLst>
       <p:ext uri="{BB962C8B-B14F-4D97-AF65-F5344CB8AC3E}">
-        <p14:creationId xmlns:p14="http://schemas.microsoft.com/office/powerpoint/2010/main" val="1514978488"/>
+        <p14:creationId xmlns:p14="http://schemas.microsoft.com/office/powerpoint/2010/main" val="2478951178"/>
       </p:ext>
     </p:extLst>
   </p:cSld>
@@ -9390,8 +8918,12 @@
           <a:lstStyle/>
           <a:p>
             <a:r>
-              <a:rPr lang="en-GB" dirty="0"/>
-              <a:t>Routing</a:t>
+              <a:rPr lang="nl-NL" dirty="0" err="1"/>
+              <a:t>Sharif</a:t>
+            </a:r>
+            <a:r>
+              <a:rPr lang="nl-NL" dirty="0"/>
+              <a:t>, welke smaak</a:t>
             </a:r>
             <a:endParaRPr lang="en-NL" dirty="0"/>
           </a:p>
@@ -9399,10 +8931,10 @@
       </p:sp>
       <p:sp>
         <p:nvSpPr>
-          <p:cNvPr id="3" name="TextBox 2">
+          <p:cNvPr id="6" name="TextBox 2">
             <a:extLst>
               <a:ext uri="{FF2B5EF4-FFF2-40B4-BE49-F238E27FC236}">
-                <a16:creationId xmlns:a16="http://schemas.microsoft.com/office/drawing/2014/main" id="{441487DF-5A79-4DAE-82C6-458CE4C04068}"/>
+                <a16:creationId xmlns:a16="http://schemas.microsoft.com/office/drawing/2014/main" id="{F04F4597-3CEC-4C6D-9F51-BC482E772137}"/>
               </a:ext>
             </a:extLst>
           </p:cNvPr>
@@ -9412,7 +8944,7 @@
         <p:spPr>
           <a:xfrm>
             <a:off x="1317072" y="2483141"/>
-            <a:ext cx="7373922" cy="1754326"/>
+            <a:ext cx="7373922" cy="2308324"/>
           </a:xfrm>
           <a:prstGeom prst="rect">
             <a:avLst/>
@@ -9431,39 +8963,7 @@
             </a:pPr>
             <a:r>
               <a:rPr lang="en-GB" dirty="0"/>
-              <a:t>De basis </a:t>
-            </a:r>
-            <a:r>
-              <a:rPr lang="en-GB" dirty="0" err="1"/>
-              <a:t>voor</a:t>
-            </a:r>
-            <a:r>
-              <a:rPr lang="en-GB" dirty="0"/>
-              <a:t> </a:t>
-            </a:r>
-            <a:r>
-              <a:rPr lang="en-GB" dirty="0" err="1"/>
-              <a:t>elke</a:t>
-            </a:r>
-            <a:r>
-              <a:rPr lang="en-GB" dirty="0"/>
-              <a:t> </a:t>
-            </a:r>
-            <a:r>
-              <a:rPr lang="en-GB" dirty="0" err="1"/>
-              <a:t>.net</a:t>
-            </a:r>
-            <a:r>
-              <a:rPr lang="en-GB" dirty="0"/>
-              <a:t> </a:t>
-            </a:r>
-            <a:r>
-              <a:rPr lang="en-GB" dirty="0" err="1"/>
-              <a:t>webapplicatie</a:t>
-            </a:r>
-            <a:r>
-              <a:rPr lang="en-GB" dirty="0"/>
-              <a:t>.</a:t>
+              <a:t>Entity Framework &amp; ASP.NET Identity</a:t>
             </a:r>
           </a:p>
           <a:p>
@@ -9471,82 +8971,168 @@
               <a:buFont typeface="Arial" panose="020B0604020202020204" pitchFamily="34" charset="0"/>
               <a:buChar char="•"/>
             </a:pPr>
-            <a:r>
-              <a:rPr lang="en-GB" dirty="0"/>
-              <a:t>Convention based.</a:t>
-            </a:r>
-          </a:p>
-          <a:p>
-            <a:pPr marL="285750" indent="-285750">
+            <a:endParaRPr lang="en-GB" dirty="0"/>
+          </a:p>
+          <a:p>
+            <a:pPr marL="742950" lvl="1" indent="-285750">
               <a:buFont typeface="Arial" panose="020B0604020202020204" pitchFamily="34" charset="0"/>
               <a:buChar char="•"/>
             </a:pPr>
             <a:r>
               <a:rPr lang="en-GB" dirty="0"/>
-              <a:t>Attribute based.</a:t>
-            </a:r>
-          </a:p>
-          <a:p>
-            <a:pPr marL="285750" indent="-285750">
+              <a:t>Entity Framework</a:t>
+            </a:r>
+          </a:p>
+          <a:p>
+            <a:pPr marL="1200150" lvl="2" indent="-285750">
               <a:buFont typeface="Arial" panose="020B0604020202020204" pitchFamily="34" charset="0"/>
               <a:buChar char="•"/>
             </a:pPr>
             <a:r>
               <a:rPr lang="en-GB" dirty="0"/>
-              <a:t>HTTP verbs.</a:t>
-            </a:r>
-          </a:p>
-          <a:p>
-            <a:pPr marL="285750" indent="-285750">
+              <a:t>Configuration</a:t>
+            </a:r>
+          </a:p>
+          <a:p>
+            <a:pPr marL="1200150" lvl="2" indent="-285750">
               <a:buFont typeface="Arial" panose="020B0604020202020204" pitchFamily="34" charset="0"/>
               <a:buChar char="•"/>
             </a:pPr>
             <a:r>
               <a:rPr lang="en-GB" dirty="0"/>
-              <a:t>Tokenized routes.</a:t>
-            </a:r>
-          </a:p>
-          <a:p>
-            <a:pPr marL="285750" indent="-285750">
+              <a:t>Storage</a:t>
+            </a:r>
+          </a:p>
+          <a:p>
+            <a:pPr marL="742950" lvl="1" indent="-285750">
               <a:buFont typeface="Arial" panose="020B0604020202020204" pitchFamily="34" charset="0"/>
               <a:buChar char="•"/>
             </a:pPr>
             <a:r>
               <a:rPr lang="en-GB" dirty="0"/>
-              <a:t>Demo van </a:t>
-            </a:r>
-            <a:r>
-              <a:rPr lang="en-GB" dirty="0" err="1"/>
-              <a:t>verschillende</a:t>
-            </a:r>
+              <a:t>ASP.NET Identity</a:t>
+            </a:r>
+          </a:p>
+          <a:p>
+            <a:pPr marL="1200150" lvl="2" indent="-285750">
+              <a:buFont typeface="Arial" panose="020B0604020202020204" pitchFamily="34" charset="0"/>
+              <a:buChar char="•"/>
+            </a:pPr>
             <a:r>
               <a:rPr lang="en-GB" dirty="0"/>
-              <a:t> routes </a:t>
-            </a:r>
-            <a:r>
-              <a:rPr lang="en-GB" dirty="0" err="1"/>
-              <a:t>en</a:t>
-            </a:r>
+              <a:t>Users</a:t>
+            </a:r>
+          </a:p>
+          <a:p>
+            <a:pPr marL="1200150" lvl="2" indent="-285750">
+              <a:buFont typeface="Arial" panose="020B0604020202020204" pitchFamily="34" charset="0"/>
+              <a:buChar char="•"/>
+            </a:pPr>
             <a:r>
               <a:rPr lang="en-GB" dirty="0"/>
-              <a:t> </a:t>
-            </a:r>
-            <a:r>
-              <a:rPr lang="en-GB" dirty="0" err="1"/>
-              <a:t>mogelijkheden</a:t>
-            </a:r>
-            <a:r>
-              <a:rPr lang="en-GB" dirty="0"/>
-              <a:t>.</a:t>
-            </a:r>
-            <a:endParaRPr lang="en-NL" dirty="0"/>
-          </a:p>
-        </p:txBody>
-      </p:sp>
+              <a:t>Claims</a:t>
+            </a:r>
+          </a:p>
+        </p:txBody>
+      </p:sp>
+      <p:pic>
+        <p:nvPicPr>
+          <p:cNvPr id="3" name="Picture 2" descr="https://cdn-images-1.medium.com/max/1600/1*19hDux91qpoShfe7tXE5xg.png">
+            <a:extLst>
+              <a:ext uri="{FF2B5EF4-FFF2-40B4-BE49-F238E27FC236}">
+                <a16:creationId xmlns:a16="http://schemas.microsoft.com/office/drawing/2014/main" id="{878E014E-DBD5-4547-85F8-58A89269A69E}"/>
+              </a:ext>
+            </a:extLst>
+          </p:cNvPr>
+          <p:cNvPicPr>
+            <a:picLocks noChangeAspect="1" noChangeArrowheads="1"/>
+          </p:cNvPicPr>
+          <p:nvPr/>
+        </p:nvPicPr>
+        <p:blipFill>
+          <a:blip r:embed="rId2">
+            <a:extLst>
+              <a:ext uri="{28A0092B-C50C-407E-A947-70E740481C1C}">
+                <a14:useLocalDpi xmlns:a14="http://schemas.microsoft.com/office/drawing/2010/main" val="0"/>
+              </a:ext>
+            </a:extLst>
+          </a:blip>
+          <a:srcRect/>
+          <a:stretch>
+            <a:fillRect/>
+          </a:stretch>
+        </p:blipFill>
+        <p:spPr bwMode="auto">
+          <a:xfrm>
+            <a:off x="8953538" y="2035837"/>
+            <a:ext cx="2681287" cy="1633271"/>
+          </a:xfrm>
+          <a:prstGeom prst="rect">
+            <a:avLst/>
+          </a:prstGeom>
+          <a:noFill/>
+          <a:extLst>
+            <a:ext uri="{909E8E84-426E-40DD-AFC4-6F175D3DCCD1}">
+              <a14:hiddenFill xmlns:a14="http://schemas.microsoft.com/office/drawing/2010/main">
+                <a:solidFill>
+                  <a:srgbClr val="FFFFFF"/>
+                </a:solidFill>
+              </a14:hiddenFill>
+            </a:ext>
+          </a:extLst>
+        </p:spPr>
+      </p:pic>
+      <p:pic>
+        <p:nvPicPr>
+          <p:cNvPr id="1028" name="Picture 4" descr="Afbeeldingsresultaat voor asp net identity logo">
+            <a:extLst>
+              <a:ext uri="{FF2B5EF4-FFF2-40B4-BE49-F238E27FC236}">
+                <a16:creationId xmlns:a16="http://schemas.microsoft.com/office/drawing/2014/main" id="{5BE9678D-D473-4EFA-8BAA-970D143489F6}"/>
+              </a:ext>
+            </a:extLst>
+          </p:cNvPr>
+          <p:cNvPicPr>
+            <a:picLocks noChangeAspect="1" noChangeArrowheads="1"/>
+          </p:cNvPicPr>
+          <p:nvPr/>
+        </p:nvPicPr>
+        <p:blipFill>
+          <a:blip r:embed="rId3">
+            <a:extLst>
+              <a:ext uri="{28A0092B-C50C-407E-A947-70E740481C1C}">
+                <a14:useLocalDpi xmlns:a14="http://schemas.microsoft.com/office/drawing/2010/main" val="0"/>
+              </a:ext>
+            </a:extLst>
+          </a:blip>
+          <a:srcRect/>
+          <a:stretch>
+            <a:fillRect/>
+          </a:stretch>
+        </p:blipFill>
+        <p:spPr bwMode="auto">
+          <a:xfrm>
+            <a:off x="9538602" y="3870779"/>
+            <a:ext cx="1511157" cy="1633271"/>
+          </a:xfrm>
+          <a:prstGeom prst="rect">
+            <a:avLst/>
+          </a:prstGeom>
+          <a:noFill/>
+          <a:extLst>
+            <a:ext uri="{909E8E84-426E-40DD-AFC4-6F175D3DCCD1}">
+              <a14:hiddenFill xmlns:a14="http://schemas.microsoft.com/office/drawing/2010/main">
+                <a:solidFill>
+                  <a:srgbClr val="FFFFFF"/>
+                </a:solidFill>
+              </a14:hiddenFill>
+            </a:ext>
+          </a:extLst>
+        </p:spPr>
+      </p:pic>
     </p:spTree>
     <p:extLst>
       <p:ext uri="{BB962C8B-B14F-4D97-AF65-F5344CB8AC3E}">
-        <p14:creationId xmlns:p14="http://schemas.microsoft.com/office/powerpoint/2010/main" val="1984420482"/>
+        <p14:creationId xmlns:p14="http://schemas.microsoft.com/office/powerpoint/2010/main" val="1818021316"/>
       </p:ext>
     </p:extLst>
   </p:cSld>
@@ -9595,8 +9181,8 @@
           <a:lstStyle/>
           <a:p>
             <a:r>
-              <a:rPr lang="en-GB" dirty="0"/>
-              <a:t>Versioning</a:t>
+              <a:rPr lang="nl-NL" dirty="0"/>
+              <a:t>Hassan, Lets go</a:t>
             </a:r>
             <a:endParaRPr lang="en-NL" dirty="0"/>
           </a:p>
@@ -9604,10 +9190,10 @@
       </p:sp>
       <p:sp>
         <p:nvSpPr>
-          <p:cNvPr id="3" name="TextBox 2">
+          <p:cNvPr id="4" name="TextBox 3">
             <a:extLst>
               <a:ext uri="{FF2B5EF4-FFF2-40B4-BE49-F238E27FC236}">
-                <a16:creationId xmlns:a16="http://schemas.microsoft.com/office/drawing/2014/main" id="{441487DF-5A79-4DAE-82C6-458CE4C04068}"/>
+                <a16:creationId xmlns:a16="http://schemas.microsoft.com/office/drawing/2014/main" id="{2DB448E5-BA71-4806-AFDD-5F0322795F7B}"/>
               </a:ext>
             </a:extLst>
           </p:cNvPr>
@@ -9616,8 +9202,8 @@
         </p:nvSpPr>
         <p:spPr>
           <a:xfrm>
-            <a:off x="1317072" y="2483141"/>
-            <a:ext cx="7373922" cy="1754326"/>
+            <a:off x="3101430" y="3429000"/>
+            <a:ext cx="5989140" cy="769441"/>
           </a:xfrm>
           <a:prstGeom prst="rect">
             <a:avLst/>
@@ -9625,788 +9211,22 @@
           <a:noFill/>
         </p:spPr>
         <p:txBody>
-          <a:bodyPr wrap="square" rtlCol="0">
+          <a:bodyPr wrap="none" rtlCol="0">
             <a:spAutoFit/>
           </a:bodyPr>
           <a:lstStyle/>
           <a:p>
-            <a:pPr marL="285750" indent="-285750">
-              <a:buFont typeface="Arial" panose="020B0604020202020204" pitchFamily="34" charset="0"/>
-              <a:buChar char="•"/>
-            </a:pPr>
-            <a:r>
-              <a:rPr lang="en-GB" dirty="0"/>
-              <a:t>Versioning options.</a:t>
-            </a:r>
-          </a:p>
-          <a:p>
-            <a:pPr marL="742950" lvl="1" indent="-285750">
-              <a:buFont typeface="Arial" panose="020B0604020202020204" pitchFamily="34" charset="0"/>
-              <a:buChar char="•"/>
-            </a:pPr>
-            <a:r>
-              <a:rPr lang="en-GB" dirty="0" err="1"/>
-              <a:t>Url</a:t>
-            </a:r>
-            <a:endParaRPr lang="en-GB" dirty="0"/>
-          </a:p>
-          <a:p>
-            <a:pPr marL="742950" lvl="1" indent="-285750">
-              <a:buFont typeface="Arial" panose="020B0604020202020204" pitchFamily="34" charset="0"/>
-              <a:buChar char="•"/>
-            </a:pPr>
-            <a:r>
-              <a:rPr lang="en-GB" dirty="0"/>
-              <a:t>Query parameter</a:t>
-            </a:r>
-          </a:p>
-          <a:p>
-            <a:pPr marL="742950" lvl="1" indent="-285750">
-              <a:buFont typeface="Arial" panose="020B0604020202020204" pitchFamily="34" charset="0"/>
-              <a:buChar char="•"/>
-            </a:pPr>
-            <a:r>
-              <a:rPr lang="en-GB" dirty="0"/>
-              <a:t>Header</a:t>
-            </a:r>
-          </a:p>
-          <a:p>
-            <a:pPr marL="285750" indent="-285750">
-              <a:buFont typeface="Arial" panose="020B0604020202020204" pitchFamily="34" charset="0"/>
-              <a:buChar char="•"/>
-            </a:pPr>
-            <a:r>
-              <a:rPr lang="en-GB" dirty="0"/>
-              <a:t>Version attribute.</a:t>
-            </a:r>
-          </a:p>
-          <a:p>
-            <a:pPr marL="285750" indent="-285750">
-              <a:buFont typeface="Arial" panose="020B0604020202020204" pitchFamily="34" charset="0"/>
-              <a:buChar char="•"/>
-            </a:pPr>
-            <a:r>
-              <a:rPr lang="en-GB" dirty="0"/>
-              <a:t>Demo van Swagger op basis van routing demo.</a:t>
-            </a:r>
-            <a:endParaRPr lang="en-NL" dirty="0"/>
+            <a:r>
+              <a:rPr lang="en-US" sz="4400" dirty="0"/>
+              <a:t>Break out =&gt; see script</a:t>
+            </a:r>
           </a:p>
         </p:txBody>
       </p:sp>
     </p:spTree>
     <p:extLst>
       <p:ext uri="{BB962C8B-B14F-4D97-AF65-F5344CB8AC3E}">
-        <p14:creationId xmlns:p14="http://schemas.microsoft.com/office/powerpoint/2010/main" val="1666525326"/>
-      </p:ext>
-    </p:extLst>
-  </p:cSld>
-  <p:clrMapOvr>
-    <a:masterClrMapping/>
-  </p:clrMapOvr>
-</p:sld>
-</file>
-
-<file path=ppt/slides/slide6.xml><?xml version="1.0" encoding="utf-8"?>
-<p:sld xmlns:a="http://schemas.openxmlformats.org/drawingml/2006/main" xmlns:r="http://schemas.openxmlformats.org/officeDocument/2006/relationships" xmlns:p="http://schemas.openxmlformats.org/presentationml/2006/main">
-  <p:cSld>
-    <p:spTree>
-      <p:nvGrpSpPr>
-        <p:cNvPr id="1" name=""/>
-        <p:cNvGrpSpPr/>
-        <p:nvPr/>
-      </p:nvGrpSpPr>
-      <p:grpSpPr>
-        <a:xfrm>
-          <a:off x="0" y="0"/>
-          <a:ext cx="0" cy="0"/>
-          <a:chOff x="0" y="0"/>
-          <a:chExt cx="0" cy="0"/>
-        </a:xfrm>
-      </p:grpSpPr>
-      <p:sp>
-        <p:nvSpPr>
-          <p:cNvPr id="2" name="Title 1">
-            <a:extLst>
-              <a:ext uri="{FF2B5EF4-FFF2-40B4-BE49-F238E27FC236}">
-                <a16:creationId xmlns:a16="http://schemas.microsoft.com/office/drawing/2014/main" id="{CE701514-BC47-4CF9-BD4D-0F10450BC804}"/>
-              </a:ext>
-            </a:extLst>
-          </p:cNvPr>
-          <p:cNvSpPr>
-            <a:spLocks noGrp="1"/>
-          </p:cNvSpPr>
-          <p:nvPr>
-            <p:ph type="title"/>
-          </p:nvPr>
-        </p:nvSpPr>
-        <p:spPr/>
-        <p:txBody>
-          <a:bodyPr/>
-          <a:lstStyle/>
-          <a:p>
-            <a:r>
-              <a:rPr lang="en-GB" dirty="0"/>
-              <a:t>Documentation</a:t>
-            </a:r>
-            <a:endParaRPr lang="en-NL" dirty="0"/>
-          </a:p>
-        </p:txBody>
-      </p:sp>
-      <p:sp>
-        <p:nvSpPr>
-          <p:cNvPr id="3" name="TextBox 2">
-            <a:extLst>
-              <a:ext uri="{FF2B5EF4-FFF2-40B4-BE49-F238E27FC236}">
-                <a16:creationId xmlns:a16="http://schemas.microsoft.com/office/drawing/2014/main" id="{2B18F886-8AC7-40F5-92E3-EE127E2EBB0C}"/>
-              </a:ext>
-            </a:extLst>
-          </p:cNvPr>
-          <p:cNvSpPr txBox="1"/>
-          <p:nvPr/>
-        </p:nvSpPr>
-        <p:spPr>
-          <a:xfrm>
-            <a:off x="680321" y="2111441"/>
-            <a:ext cx="6063916" cy="1200329"/>
-          </a:xfrm>
-          <a:prstGeom prst="rect">
-            <a:avLst/>
-          </a:prstGeom>
-          <a:noFill/>
-        </p:spPr>
-        <p:txBody>
-          <a:bodyPr wrap="square" rtlCol="0">
-            <a:spAutoFit/>
-          </a:bodyPr>
-          <a:lstStyle/>
-          <a:p>
-            <a:pPr marL="285750" indent="-285750">
-              <a:buFontTx/>
-              <a:buChar char="-"/>
-            </a:pPr>
-            <a:r>
-              <a:rPr lang="en-GB" dirty="0" err="1"/>
-              <a:t>OpenAPI</a:t>
-            </a:r>
-            <a:r>
-              <a:rPr lang="en-GB" dirty="0"/>
-              <a:t> specification</a:t>
-            </a:r>
-          </a:p>
-          <a:p>
-            <a:pPr marL="285750" indent="-285750">
-              <a:buFontTx/>
-              <a:buChar char="-"/>
-            </a:pPr>
-            <a:r>
-              <a:rPr lang="en-GB" dirty="0" err="1"/>
-              <a:t>Nswagger</a:t>
-            </a:r>
-            <a:r>
-              <a:rPr lang="en-GB" dirty="0"/>
-              <a:t>, Swagger</a:t>
-            </a:r>
-          </a:p>
-          <a:p>
-            <a:pPr marL="285750" indent="-285750">
-              <a:buFontTx/>
-              <a:buChar char="-"/>
-            </a:pPr>
-            <a:r>
-              <a:rPr lang="en-GB" dirty="0"/>
-              <a:t>Test UI</a:t>
-            </a:r>
-          </a:p>
-          <a:p>
-            <a:pPr marL="285750" indent="-285750">
-              <a:buFontTx/>
-              <a:buChar char="-"/>
-            </a:pPr>
-            <a:r>
-              <a:rPr lang="en-GB" dirty="0" err="1"/>
-              <a:t>Luint</a:t>
-            </a:r>
-            <a:r>
-              <a:rPr lang="en-GB" dirty="0"/>
-              <a:t> op de standard attributes</a:t>
-            </a:r>
-            <a:endParaRPr lang="en-NL" dirty="0"/>
-          </a:p>
-        </p:txBody>
-      </p:sp>
-    </p:spTree>
-    <p:extLst>
-      <p:ext uri="{BB962C8B-B14F-4D97-AF65-F5344CB8AC3E}">
-        <p14:creationId xmlns:p14="http://schemas.microsoft.com/office/powerpoint/2010/main" val="2718755749"/>
-      </p:ext>
-    </p:extLst>
-  </p:cSld>
-  <p:clrMapOvr>
-    <a:masterClrMapping/>
-  </p:clrMapOvr>
-</p:sld>
-</file>
-
-<file path=ppt/slides/slide7.xml><?xml version="1.0" encoding="utf-8"?>
-<p:sld xmlns:a="http://schemas.openxmlformats.org/drawingml/2006/main" xmlns:r="http://schemas.openxmlformats.org/officeDocument/2006/relationships" xmlns:p="http://schemas.openxmlformats.org/presentationml/2006/main">
-  <p:cSld>
-    <p:spTree>
-      <p:nvGrpSpPr>
-        <p:cNvPr id="1" name=""/>
-        <p:cNvGrpSpPr/>
-        <p:nvPr/>
-      </p:nvGrpSpPr>
-      <p:grpSpPr>
-        <a:xfrm>
-          <a:off x="0" y="0"/>
-          <a:ext cx="0" cy="0"/>
-          <a:chOff x="0" y="0"/>
-          <a:chExt cx="0" cy="0"/>
-        </a:xfrm>
-      </p:grpSpPr>
-      <p:sp>
-        <p:nvSpPr>
-          <p:cNvPr id="2" name="Title 1">
-            <a:extLst>
-              <a:ext uri="{FF2B5EF4-FFF2-40B4-BE49-F238E27FC236}">
-                <a16:creationId xmlns:a16="http://schemas.microsoft.com/office/drawing/2014/main" id="{B1A0196D-2F51-4389-85FF-A617D7937107}"/>
-              </a:ext>
-            </a:extLst>
-          </p:cNvPr>
-          <p:cNvSpPr>
-            <a:spLocks noGrp="1"/>
-          </p:cNvSpPr>
-          <p:nvPr>
-            <p:ph type="title"/>
-          </p:nvPr>
-        </p:nvSpPr>
-        <p:spPr/>
-        <p:txBody>
-          <a:bodyPr/>
-          <a:lstStyle/>
-          <a:p>
-            <a:r>
-              <a:rPr lang="en-GB" dirty="0"/>
-              <a:t>Health checks</a:t>
-            </a:r>
-            <a:endParaRPr lang="en-NL" dirty="0"/>
-          </a:p>
-        </p:txBody>
-      </p:sp>
-      <p:sp>
-        <p:nvSpPr>
-          <p:cNvPr id="3" name="TextBox 2">
-            <a:extLst>
-              <a:ext uri="{FF2B5EF4-FFF2-40B4-BE49-F238E27FC236}">
-                <a16:creationId xmlns:a16="http://schemas.microsoft.com/office/drawing/2014/main" id="{441487DF-5A79-4DAE-82C6-458CE4C04068}"/>
-              </a:ext>
-            </a:extLst>
-          </p:cNvPr>
-          <p:cNvSpPr txBox="1"/>
-          <p:nvPr/>
-        </p:nvSpPr>
-        <p:spPr>
-          <a:xfrm>
-            <a:off x="1317072" y="2483141"/>
-            <a:ext cx="7373922" cy="1477328"/>
-          </a:xfrm>
-          <a:prstGeom prst="rect">
-            <a:avLst/>
-          </a:prstGeom>
-          <a:noFill/>
-        </p:spPr>
-        <p:txBody>
-          <a:bodyPr wrap="square" rtlCol="0">
-            <a:spAutoFit/>
-          </a:bodyPr>
-          <a:lstStyle/>
-          <a:p>
-            <a:pPr marL="285750" indent="-285750">
-              <a:buFont typeface="Arial" panose="020B0604020202020204" pitchFamily="34" charset="0"/>
-              <a:buChar char="•"/>
-            </a:pPr>
-            <a:r>
-              <a:rPr lang="en-GB" dirty="0" err="1"/>
-              <a:t>Aanwezig</a:t>
-            </a:r>
-            <a:r>
-              <a:rPr lang="en-GB" dirty="0"/>
-              <a:t> </a:t>
-            </a:r>
-            <a:r>
-              <a:rPr lang="en-GB" dirty="0" err="1"/>
-              <a:t>bij</a:t>
-            </a:r>
-            <a:r>
-              <a:rPr lang="en-GB" dirty="0"/>
-              <a:t> default in .NET CORE  &gt;= 2.1</a:t>
-            </a:r>
-          </a:p>
-          <a:p>
-            <a:pPr marL="285750" indent="-285750">
-              <a:buFont typeface="Arial" panose="020B0604020202020204" pitchFamily="34" charset="0"/>
-              <a:buChar char="•"/>
-            </a:pPr>
-            <a:r>
-              <a:rPr lang="en-GB" dirty="0"/>
-              <a:t>Monitoring</a:t>
-            </a:r>
-          </a:p>
-          <a:p>
-            <a:pPr marL="285750" indent="-285750">
-              <a:buFont typeface="Arial" panose="020B0604020202020204" pitchFamily="34" charset="0"/>
-              <a:buChar char="•"/>
-            </a:pPr>
-            <a:r>
-              <a:rPr lang="en-GB" dirty="0"/>
-              <a:t>External dependencies.</a:t>
-            </a:r>
-          </a:p>
-          <a:p>
-            <a:pPr marL="285750" indent="-285750">
-              <a:buFont typeface="Arial" panose="020B0604020202020204" pitchFamily="34" charset="0"/>
-              <a:buChar char="•"/>
-            </a:pPr>
-            <a:r>
-              <a:rPr lang="en-GB" dirty="0"/>
-              <a:t>Liveness </a:t>
-            </a:r>
-            <a:r>
-              <a:rPr lang="en-GB" dirty="0" err="1"/>
-              <a:t>en</a:t>
-            </a:r>
-            <a:r>
-              <a:rPr lang="en-GB" dirty="0"/>
-              <a:t> readiness.</a:t>
-            </a:r>
-          </a:p>
-          <a:p>
-            <a:pPr marL="285750" indent="-285750">
-              <a:buFont typeface="Arial" panose="020B0604020202020204" pitchFamily="34" charset="0"/>
-              <a:buChar char="•"/>
-            </a:pPr>
-            <a:endParaRPr lang="en-NL" dirty="0"/>
-          </a:p>
-        </p:txBody>
-      </p:sp>
-    </p:spTree>
-    <p:extLst>
-      <p:ext uri="{BB962C8B-B14F-4D97-AF65-F5344CB8AC3E}">
-        <p14:creationId xmlns:p14="http://schemas.microsoft.com/office/powerpoint/2010/main" val="73277345"/>
-      </p:ext>
-    </p:extLst>
-  </p:cSld>
-  <p:clrMapOvr>
-    <a:masterClrMapping/>
-  </p:clrMapOvr>
-</p:sld>
-</file>
-
-<file path=ppt/slides/slide8.xml><?xml version="1.0" encoding="utf-8"?>
-<p:sld xmlns:a="http://schemas.openxmlformats.org/drawingml/2006/main" xmlns:r="http://schemas.openxmlformats.org/officeDocument/2006/relationships" xmlns:p="http://schemas.openxmlformats.org/presentationml/2006/main">
-  <p:cSld>
-    <p:spTree>
-      <p:nvGrpSpPr>
-        <p:cNvPr id="1" name=""/>
-        <p:cNvGrpSpPr/>
-        <p:nvPr/>
-      </p:nvGrpSpPr>
-      <p:grpSpPr>
-        <a:xfrm>
-          <a:off x="0" y="0"/>
-          <a:ext cx="0" cy="0"/>
-          <a:chOff x="0" y="0"/>
-          <a:chExt cx="0" cy="0"/>
-        </a:xfrm>
-      </p:grpSpPr>
-      <p:sp>
-        <p:nvSpPr>
-          <p:cNvPr id="2" name="Title 1">
-            <a:extLst>
-              <a:ext uri="{FF2B5EF4-FFF2-40B4-BE49-F238E27FC236}">
-                <a16:creationId xmlns:a16="http://schemas.microsoft.com/office/drawing/2014/main" id="{B1A0196D-2F51-4389-85FF-A617D7937107}"/>
-              </a:ext>
-            </a:extLst>
-          </p:cNvPr>
-          <p:cNvSpPr>
-            <a:spLocks noGrp="1"/>
-          </p:cNvSpPr>
-          <p:nvPr>
-            <p:ph type="title"/>
-          </p:nvPr>
-        </p:nvSpPr>
-        <p:spPr/>
-        <p:txBody>
-          <a:bodyPr/>
-          <a:lstStyle/>
-          <a:p>
-            <a:r>
-              <a:rPr lang="en-GB" dirty="0"/>
-              <a:t>Hosting</a:t>
-            </a:r>
-            <a:endParaRPr lang="en-NL" dirty="0"/>
-          </a:p>
-        </p:txBody>
-      </p:sp>
-      <p:sp>
-        <p:nvSpPr>
-          <p:cNvPr id="3" name="TextBox 2">
-            <a:extLst>
-              <a:ext uri="{FF2B5EF4-FFF2-40B4-BE49-F238E27FC236}">
-                <a16:creationId xmlns:a16="http://schemas.microsoft.com/office/drawing/2014/main" id="{441487DF-5A79-4DAE-82C6-458CE4C04068}"/>
-              </a:ext>
-            </a:extLst>
-          </p:cNvPr>
-          <p:cNvSpPr txBox="1"/>
-          <p:nvPr/>
-        </p:nvSpPr>
-        <p:spPr>
-          <a:xfrm>
-            <a:off x="1317072" y="2483141"/>
-            <a:ext cx="7373922" cy="1477328"/>
-          </a:xfrm>
-          <a:prstGeom prst="rect">
-            <a:avLst/>
-          </a:prstGeom>
-          <a:noFill/>
-        </p:spPr>
-        <p:txBody>
-          <a:bodyPr wrap="square" rtlCol="0">
-            <a:spAutoFit/>
-          </a:bodyPr>
-          <a:lstStyle/>
-          <a:p>
-            <a:pPr marL="285750" indent="-285750">
-              <a:buFont typeface="Arial" panose="020B0604020202020204" pitchFamily="34" charset="0"/>
-              <a:buChar char="•"/>
-            </a:pPr>
-            <a:r>
-              <a:rPr lang="en-GB" dirty="0"/>
-              <a:t>Linux </a:t>
-            </a:r>
-            <a:r>
-              <a:rPr lang="en-GB" dirty="0" err="1"/>
-              <a:t>en</a:t>
-            </a:r>
-            <a:r>
-              <a:rPr lang="en-GB" dirty="0"/>
-              <a:t> windows </a:t>
-            </a:r>
-            <a:r>
-              <a:rPr lang="en-GB" dirty="0" err="1"/>
-              <a:t>ondersteuning</a:t>
-            </a:r>
-            <a:endParaRPr lang="en-GB" dirty="0"/>
-          </a:p>
-          <a:p>
-            <a:pPr marL="285750" indent="-285750">
-              <a:buFont typeface="Arial" panose="020B0604020202020204" pitchFamily="34" charset="0"/>
-              <a:buChar char="•"/>
-            </a:pPr>
-            <a:r>
-              <a:rPr lang="en-GB" dirty="0"/>
-              <a:t>Framework-dependent </a:t>
-            </a:r>
-            <a:r>
-              <a:rPr lang="en-GB" dirty="0" err="1"/>
-              <a:t>deploymen</a:t>
-            </a:r>
-            <a:endParaRPr lang="en-GB" dirty="0"/>
-          </a:p>
-          <a:p>
-            <a:pPr marL="285750" indent="-285750">
-              <a:buFont typeface="Arial" panose="020B0604020202020204" pitchFamily="34" charset="0"/>
-              <a:buChar char="•"/>
-            </a:pPr>
-            <a:r>
-              <a:rPr lang="en-GB" dirty="0"/>
-              <a:t>Self-contained deployment</a:t>
-            </a:r>
-          </a:p>
-          <a:p>
-            <a:pPr marL="285750" indent="-285750">
-              <a:buFont typeface="Arial" panose="020B0604020202020204" pitchFamily="34" charset="0"/>
-              <a:buChar char="•"/>
-            </a:pPr>
-            <a:r>
-              <a:rPr lang="en-GB" dirty="0"/>
-              <a:t>Framework-dependent executables</a:t>
-            </a:r>
-          </a:p>
-          <a:p>
-            <a:pPr marL="285750" indent="-285750">
-              <a:buFont typeface="Arial" panose="020B0604020202020204" pitchFamily="34" charset="0"/>
-              <a:buChar char="•"/>
-            </a:pPr>
-            <a:r>
-              <a:rPr lang="en-GB" dirty="0"/>
-              <a:t>Azure pipeline demo op Linux </a:t>
-            </a:r>
-            <a:r>
-              <a:rPr lang="en-GB" dirty="0" err="1"/>
-              <a:t>en</a:t>
-            </a:r>
-            <a:r>
-              <a:rPr lang="en-GB" dirty="0"/>
-              <a:t> Windows.</a:t>
-            </a:r>
-          </a:p>
-        </p:txBody>
-      </p:sp>
-    </p:spTree>
-    <p:extLst>
-      <p:ext uri="{BB962C8B-B14F-4D97-AF65-F5344CB8AC3E}">
-        <p14:creationId xmlns:p14="http://schemas.microsoft.com/office/powerpoint/2010/main" val="1979402435"/>
-      </p:ext>
-    </p:extLst>
-  </p:cSld>
-  <p:clrMapOvr>
-    <a:masterClrMapping/>
-  </p:clrMapOvr>
-</p:sld>
-</file>
-
-<file path=ppt/slides/slide9.xml><?xml version="1.0" encoding="utf-8"?>
-<p:sld xmlns:a="http://schemas.openxmlformats.org/drawingml/2006/main" xmlns:r="http://schemas.openxmlformats.org/officeDocument/2006/relationships" xmlns:p="http://schemas.openxmlformats.org/presentationml/2006/main">
-  <p:cSld>
-    <p:spTree>
-      <p:nvGrpSpPr>
-        <p:cNvPr id="1" name=""/>
-        <p:cNvGrpSpPr/>
-        <p:nvPr/>
-      </p:nvGrpSpPr>
-      <p:grpSpPr>
-        <a:xfrm>
-          <a:off x="0" y="0"/>
-          <a:ext cx="0" cy="0"/>
-          <a:chOff x="0" y="0"/>
-          <a:chExt cx="0" cy="0"/>
-        </a:xfrm>
-      </p:grpSpPr>
-      <p:sp>
-        <p:nvSpPr>
-          <p:cNvPr id="2" name="Title 1">
-            <a:extLst>
-              <a:ext uri="{FF2B5EF4-FFF2-40B4-BE49-F238E27FC236}">
-                <a16:creationId xmlns:a16="http://schemas.microsoft.com/office/drawing/2014/main" id="{B1A0196D-2F51-4389-85FF-A617D7937107}"/>
-              </a:ext>
-            </a:extLst>
-          </p:cNvPr>
-          <p:cNvSpPr>
-            <a:spLocks noGrp="1"/>
-          </p:cNvSpPr>
-          <p:nvPr>
-            <p:ph type="title"/>
-          </p:nvPr>
-        </p:nvSpPr>
-        <p:spPr/>
-        <p:txBody>
-          <a:bodyPr/>
-          <a:lstStyle/>
-          <a:p>
-            <a:r>
-              <a:rPr lang="nl-NL" dirty="0"/>
-              <a:t>Mustafa, </a:t>
-            </a:r>
-            <a:r>
-              <a:rPr lang="nl-NL" dirty="0" err="1"/>
-              <a:t>wat’s</a:t>
-            </a:r>
-            <a:r>
-              <a:rPr lang="nl-NL" dirty="0"/>
-              <a:t> deze?</a:t>
-            </a:r>
-            <a:endParaRPr lang="en-NL" dirty="0"/>
-          </a:p>
-        </p:txBody>
-      </p:sp>
-      <p:pic>
-        <p:nvPicPr>
-          <p:cNvPr id="1026" name="Picture 2" descr="https://identityserver.io/images/IDserver_logotransparent.png">
-            <a:extLst>
-              <a:ext uri="{FF2B5EF4-FFF2-40B4-BE49-F238E27FC236}">
-                <a16:creationId xmlns:a16="http://schemas.microsoft.com/office/drawing/2014/main" id="{979BC39D-BA4D-40B3-8626-379EA88DE272}"/>
-              </a:ext>
-            </a:extLst>
-          </p:cNvPr>
-          <p:cNvPicPr>
-            <a:picLocks noChangeAspect="1" noChangeArrowheads="1"/>
-          </p:cNvPicPr>
-          <p:nvPr/>
-        </p:nvPicPr>
-        <p:blipFill>
-          <a:blip r:embed="rId2">
-            <a:extLst>
-              <a:ext uri="{28A0092B-C50C-407E-A947-70E740481C1C}">
-                <a14:useLocalDpi xmlns:a14="http://schemas.microsoft.com/office/drawing/2010/main" val="0"/>
-              </a:ext>
-            </a:extLst>
-          </a:blip>
-          <a:srcRect/>
-          <a:stretch>
-            <a:fillRect/>
-          </a:stretch>
-        </p:blipFill>
-        <p:spPr bwMode="auto">
-          <a:xfrm>
-            <a:off x="6096000" y="3523497"/>
-            <a:ext cx="3810000" cy="2581275"/>
-          </a:xfrm>
-          <a:prstGeom prst="rect">
-            <a:avLst/>
-          </a:prstGeom>
-          <a:noFill/>
-          <a:extLst>
-            <a:ext uri="{909E8E84-426E-40DD-AFC4-6F175D3DCCD1}">
-              <a14:hiddenFill xmlns:a14="http://schemas.microsoft.com/office/drawing/2010/main">
-                <a:solidFill>
-                  <a:srgbClr val="FFFFFF"/>
-                </a:solidFill>
-              </a14:hiddenFill>
-            </a:ext>
-          </a:extLst>
-        </p:spPr>
-      </p:pic>
-      <p:sp>
-        <p:nvSpPr>
-          <p:cNvPr id="6" name="TextBox 2">
-            <a:extLst>
-              <a:ext uri="{FF2B5EF4-FFF2-40B4-BE49-F238E27FC236}">
-                <a16:creationId xmlns:a16="http://schemas.microsoft.com/office/drawing/2014/main" id="{F04F4597-3CEC-4C6D-9F51-BC482E772137}"/>
-              </a:ext>
-            </a:extLst>
-          </p:cNvPr>
-          <p:cNvSpPr txBox="1"/>
-          <p:nvPr/>
-        </p:nvSpPr>
-        <p:spPr>
-          <a:xfrm>
-            <a:off x="1317072" y="2483141"/>
-            <a:ext cx="7373922" cy="3139321"/>
-          </a:xfrm>
-          <a:prstGeom prst="rect">
-            <a:avLst/>
-          </a:prstGeom>
-          <a:noFill/>
-        </p:spPr>
-        <p:txBody>
-          <a:bodyPr wrap="square" rtlCol="0">
-            <a:spAutoFit/>
-          </a:bodyPr>
-          <a:lstStyle/>
-          <a:p>
-            <a:pPr marL="285750" indent="-285750">
-              <a:buFont typeface="Arial" panose="020B0604020202020204" pitchFamily="34" charset="0"/>
-              <a:buChar char="•"/>
-            </a:pPr>
-            <a:r>
-              <a:rPr lang="en-GB" dirty="0"/>
-              <a:t>Identity container</a:t>
-            </a:r>
-          </a:p>
-          <a:p>
-            <a:pPr marL="742950" lvl="1" indent="-285750">
-              <a:buFont typeface="Arial" panose="020B0604020202020204" pitchFamily="34" charset="0"/>
-              <a:buChar char="•"/>
-            </a:pPr>
-            <a:r>
-              <a:rPr lang="en-GB" dirty="0"/>
-              <a:t>Profiles</a:t>
-            </a:r>
-          </a:p>
-          <a:p>
-            <a:pPr marL="742950" lvl="1" indent="-285750">
-              <a:buFont typeface="Arial" panose="020B0604020202020204" pitchFamily="34" charset="0"/>
-              <a:buChar char="•"/>
-            </a:pPr>
-            <a:r>
-              <a:rPr lang="en-GB" dirty="0"/>
-              <a:t>Roles</a:t>
-            </a:r>
-          </a:p>
-          <a:p>
-            <a:pPr marL="285750" indent="-285750">
-              <a:buFont typeface="Arial" panose="020B0604020202020204" pitchFamily="34" charset="0"/>
-              <a:buChar char="•"/>
-            </a:pPr>
-            <a:r>
-              <a:rPr lang="en-GB" dirty="0"/>
-              <a:t>Identity gateway</a:t>
-            </a:r>
-          </a:p>
-          <a:p>
-            <a:pPr marL="742950" lvl="1" indent="-285750">
-              <a:buFont typeface="Arial" panose="020B0604020202020204" pitchFamily="34" charset="0"/>
-              <a:buChar char="•"/>
-            </a:pPr>
-            <a:r>
-              <a:rPr lang="en-GB" dirty="0"/>
-              <a:t>AD</a:t>
-            </a:r>
-          </a:p>
-          <a:p>
-            <a:pPr marL="742950" lvl="1" indent="-285750">
-              <a:buFont typeface="Arial" panose="020B0604020202020204" pitchFamily="34" charset="0"/>
-              <a:buChar char="•"/>
-            </a:pPr>
-            <a:r>
-              <a:rPr lang="en-GB" dirty="0"/>
-              <a:t>ADFS</a:t>
-            </a:r>
-          </a:p>
-          <a:p>
-            <a:pPr marL="285750" indent="-285750">
-              <a:buFont typeface="Arial" panose="020B0604020202020204" pitchFamily="34" charset="0"/>
-              <a:buChar char="•"/>
-            </a:pPr>
-            <a:r>
-              <a:rPr lang="en-GB" dirty="0"/>
-              <a:t>Application (w32/w64/web) security provider</a:t>
-            </a:r>
-          </a:p>
-          <a:p>
-            <a:pPr marL="285750" indent="-285750">
-              <a:buFont typeface="Arial" panose="020B0604020202020204" pitchFamily="34" charset="0"/>
-              <a:buChar char="•"/>
-            </a:pPr>
-            <a:r>
-              <a:rPr lang="en-GB" dirty="0"/>
-              <a:t>SSO provider</a:t>
-            </a:r>
-          </a:p>
-          <a:p>
-            <a:pPr marL="742950" lvl="1" indent="-285750">
-              <a:buFont typeface="Arial" panose="020B0604020202020204" pitchFamily="34" charset="0"/>
-              <a:buChar char="•"/>
-            </a:pPr>
-            <a:r>
-              <a:rPr lang="en-GB" dirty="0"/>
-              <a:t>OpenID</a:t>
-            </a:r>
-          </a:p>
-          <a:p>
-            <a:pPr marL="742950" lvl="1" indent="-285750">
-              <a:buFont typeface="Arial" panose="020B0604020202020204" pitchFamily="34" charset="0"/>
-              <a:buChar char="•"/>
-            </a:pPr>
-            <a:r>
-              <a:rPr lang="en-GB" dirty="0"/>
-              <a:t>OAuth2.0</a:t>
-            </a:r>
-          </a:p>
-          <a:p>
-            <a:pPr marL="285750" indent="-285750">
-              <a:buFont typeface="Arial" panose="020B0604020202020204" pitchFamily="34" charset="0"/>
-              <a:buChar char="•"/>
-            </a:pPr>
-            <a:endParaRPr lang="en-GB" dirty="0"/>
-          </a:p>
-        </p:txBody>
-      </p:sp>
-    </p:spTree>
-    <p:extLst>
-      <p:ext uri="{BB962C8B-B14F-4D97-AF65-F5344CB8AC3E}">
-        <p14:creationId xmlns:p14="http://schemas.microsoft.com/office/powerpoint/2010/main" val="2478951178"/>
+        <p14:creationId xmlns:p14="http://schemas.microsoft.com/office/powerpoint/2010/main" val="3039162099"/>
       </p:ext>
     </p:extLst>
   </p:cSld>

--- a/Presentation/Techorama sessie 2019_RoMe.pptx
+++ b/Presentation/Techorama sessie 2019_RoMe.pptx
@@ -5,7 +5,7 @@
     <p:sldMasterId id="2147483660" r:id="rId1"/>
   </p:sldMasterIdLst>
   <p:notesMasterIdLst>
-    <p:notesMasterId r:id="rId7"/>
+    <p:notesMasterId r:id="rId8"/>
   </p:notesMasterIdLst>
   <p:sldIdLst>
     <p:sldId id="256" r:id="rId2"/>
@@ -13,6 +13,7 @@
     <p:sldId id="264" r:id="rId4"/>
     <p:sldId id="265" r:id="rId5"/>
     <p:sldId id="266" r:id="rId6"/>
+    <p:sldId id="267" r:id="rId7"/>
   </p:sldIdLst>
   <p:sldSz cx="12192000" cy="6858000"/>
   <p:notesSz cx="6858000" cy="9144000"/>
@@ -201,7 +202,7 @@
           <a:p>
             <a:fld id="{79CDC471-DDF2-433F-A5F6-544F0A710411}" type="datetimeFigureOut">
               <a:rPr lang="en-NL" smtClean="0"/>
-              <a:t>13/02/2019</a:t>
+              <a:t>17/02/2019</a:t>
             </a:fld>
             <a:endParaRPr lang="en-NL"/>
           </a:p>
@@ -911,7 +912,7 @@
           <a:p>
             <a:fld id="{94BB1E4B-6BAD-4B53-9078-FE57BE311D48}" type="datetimeFigureOut">
               <a:rPr lang="en-NL" smtClean="0"/>
-              <a:t>13/02/2019</a:t>
+              <a:t>17/02/2019</a:t>
             </a:fld>
             <a:endParaRPr lang="en-NL"/>
           </a:p>
@@ -1325,7 +1326,7 @@
           <a:p>
             <a:fld id="{94BB1E4B-6BAD-4B53-9078-FE57BE311D48}" type="datetimeFigureOut">
               <a:rPr lang="en-NL" smtClean="0"/>
-              <a:t>13/02/2019</a:t>
+              <a:t>17/02/2019</a:t>
             </a:fld>
             <a:endParaRPr lang="en-NL"/>
           </a:p>
@@ -1661,7 +1662,7 @@
           <a:p>
             <a:fld id="{94BB1E4B-6BAD-4B53-9078-FE57BE311D48}" type="datetimeFigureOut">
               <a:rPr lang="en-NL" smtClean="0"/>
-              <a:t>13/02/2019</a:t>
+              <a:t>17/02/2019</a:t>
             </a:fld>
             <a:endParaRPr lang="en-NL"/>
           </a:p>
@@ -2066,7 +2067,7 @@
           <a:p>
             <a:fld id="{94BB1E4B-6BAD-4B53-9078-FE57BE311D48}" type="datetimeFigureOut">
               <a:rPr lang="en-NL" smtClean="0"/>
-              <a:t>13/02/2019</a:t>
+              <a:t>17/02/2019</a:t>
             </a:fld>
             <a:endParaRPr lang="en-NL"/>
           </a:p>
@@ -2634,7 +2635,7 @@
           <a:p>
             <a:fld id="{94BB1E4B-6BAD-4B53-9078-FE57BE311D48}" type="datetimeFigureOut">
               <a:rPr lang="en-NL" smtClean="0"/>
-              <a:t>13/02/2019</a:t>
+              <a:t>17/02/2019</a:t>
             </a:fld>
             <a:endParaRPr lang="en-NL"/>
           </a:p>
@@ -3315,7 +3316,7 @@
           <a:p>
             <a:fld id="{94BB1E4B-6BAD-4B53-9078-FE57BE311D48}" type="datetimeFigureOut">
               <a:rPr lang="en-NL" smtClean="0"/>
-              <a:t>13/02/2019</a:t>
+              <a:t>17/02/2019</a:t>
             </a:fld>
             <a:endParaRPr lang="en-NL"/>
           </a:p>
@@ -4228,7 +4229,7 @@
           <a:p>
             <a:fld id="{94BB1E4B-6BAD-4B53-9078-FE57BE311D48}" type="datetimeFigureOut">
               <a:rPr lang="en-NL" smtClean="0"/>
-              <a:t>13/02/2019</a:t>
+              <a:t>17/02/2019</a:t>
             </a:fld>
             <a:endParaRPr lang="en-NL"/>
           </a:p>
@@ -4541,7 +4542,7 @@
           <a:p>
             <a:fld id="{94BB1E4B-6BAD-4B53-9078-FE57BE311D48}" type="datetimeFigureOut">
               <a:rPr lang="en-NL" smtClean="0"/>
-              <a:t>13/02/2019</a:t>
+              <a:t>17/02/2019</a:t>
             </a:fld>
             <a:endParaRPr lang="en-NL"/>
           </a:p>
@@ -4805,7 +4806,7 @@
           <a:p>
             <a:fld id="{94BB1E4B-6BAD-4B53-9078-FE57BE311D48}" type="datetimeFigureOut">
               <a:rPr lang="en-NL" smtClean="0"/>
-              <a:t>13/02/2019</a:t>
+              <a:t>17/02/2019</a:t>
             </a:fld>
             <a:endParaRPr lang="en-NL"/>
           </a:p>
@@ -5128,7 +5129,7 @@
           <a:p>
             <a:fld id="{94BB1E4B-6BAD-4B53-9078-FE57BE311D48}" type="datetimeFigureOut">
               <a:rPr lang="en-NL" smtClean="0"/>
-              <a:t>13/02/2019</a:t>
+              <a:t>17/02/2019</a:t>
             </a:fld>
             <a:endParaRPr lang="en-NL"/>
           </a:p>
@@ -5517,7 +5518,7 @@
           <a:p>
             <a:fld id="{94BB1E4B-6BAD-4B53-9078-FE57BE311D48}" type="datetimeFigureOut">
               <a:rPr lang="en-NL" smtClean="0"/>
-              <a:t>13/02/2019</a:t>
+              <a:t>17/02/2019</a:t>
             </a:fld>
             <a:endParaRPr lang="en-NL"/>
           </a:p>
@@ -5893,7 +5894,7 @@
           <a:p>
             <a:fld id="{94BB1E4B-6BAD-4B53-9078-FE57BE311D48}" type="datetimeFigureOut">
               <a:rPr lang="en-NL" smtClean="0"/>
-              <a:t>13/02/2019</a:t>
+              <a:t>17/02/2019</a:t>
             </a:fld>
             <a:endParaRPr lang="en-NL"/>
           </a:p>
@@ -6399,7 +6400,7 @@
           <a:p>
             <a:fld id="{94BB1E4B-6BAD-4B53-9078-FE57BE311D48}" type="datetimeFigureOut">
               <a:rPr lang="en-NL" smtClean="0"/>
-              <a:t>13/02/2019</a:t>
+              <a:t>17/02/2019</a:t>
             </a:fld>
             <a:endParaRPr lang="en-NL"/>
           </a:p>
@@ -6656,7 +6657,7 @@
           <a:p>
             <a:fld id="{94BB1E4B-6BAD-4B53-9078-FE57BE311D48}" type="datetimeFigureOut">
               <a:rPr lang="en-NL" smtClean="0"/>
-              <a:t>13/02/2019</a:t>
+              <a:t>17/02/2019</a:t>
             </a:fld>
             <a:endParaRPr lang="en-NL"/>
           </a:p>
@@ -6819,7 +6820,7 @@
           <a:p>
             <a:fld id="{94BB1E4B-6BAD-4B53-9078-FE57BE311D48}" type="datetimeFigureOut">
               <a:rPr lang="en-NL" smtClean="0"/>
-              <a:t>13/02/2019</a:t>
+              <a:t>17/02/2019</a:t>
             </a:fld>
             <a:endParaRPr lang="en-NL"/>
           </a:p>
@@ -7209,7 +7210,7 @@
           <a:p>
             <a:fld id="{94BB1E4B-6BAD-4B53-9078-FE57BE311D48}" type="datetimeFigureOut">
               <a:rPr lang="en-NL" smtClean="0"/>
-              <a:t>13/02/2019</a:t>
+              <a:t>17/02/2019</a:t>
             </a:fld>
             <a:endParaRPr lang="en-NL"/>
           </a:p>
@@ -7618,7 +7619,7 @@
           <a:p>
             <a:fld id="{94BB1E4B-6BAD-4B53-9078-FE57BE311D48}" type="datetimeFigureOut">
               <a:rPr lang="en-NL" smtClean="0"/>
-              <a:t>13/02/2019</a:t>
+              <a:t>17/02/2019</a:t>
             </a:fld>
             <a:endParaRPr lang="en-NL"/>
           </a:p>
@@ -7862,7 +7863,7 @@
           <a:p>
             <a:fld id="{94BB1E4B-6BAD-4B53-9078-FE57BE311D48}" type="datetimeFigureOut">
               <a:rPr lang="en-NL" smtClean="0"/>
-              <a:t>13/02/2019</a:t>
+              <a:t>17/02/2019</a:t>
             </a:fld>
             <a:endParaRPr lang="en-NL"/>
           </a:p>
@@ -9227,6 +9228,101 @@
     <p:extLst>
       <p:ext uri="{BB962C8B-B14F-4D97-AF65-F5344CB8AC3E}">
         <p14:creationId xmlns:p14="http://schemas.microsoft.com/office/powerpoint/2010/main" val="3039162099"/>
+      </p:ext>
+    </p:extLst>
+  </p:cSld>
+  <p:clrMapOvr>
+    <a:masterClrMapping/>
+  </p:clrMapOvr>
+</p:sld>
+</file>
+
+<file path=ppt/slides/slide6.xml><?xml version="1.0" encoding="utf-8"?>
+<p:sld xmlns:a="http://schemas.openxmlformats.org/drawingml/2006/main" xmlns:r="http://schemas.openxmlformats.org/officeDocument/2006/relationships" xmlns:p="http://schemas.openxmlformats.org/presentationml/2006/main">
+  <p:cSld>
+    <p:spTree>
+      <p:nvGrpSpPr>
+        <p:cNvPr id="1" name=""/>
+        <p:cNvGrpSpPr/>
+        <p:nvPr/>
+      </p:nvGrpSpPr>
+      <p:grpSpPr>
+        <a:xfrm>
+          <a:off x="0" y="0"/>
+          <a:ext cx="0" cy="0"/>
+          <a:chOff x="0" y="0"/>
+          <a:chExt cx="0" cy="0"/>
+        </a:xfrm>
+      </p:grpSpPr>
+      <p:sp>
+        <p:nvSpPr>
+          <p:cNvPr id="2" name="Title 1">
+            <a:extLst>
+              <a:ext uri="{FF2B5EF4-FFF2-40B4-BE49-F238E27FC236}">
+                <a16:creationId xmlns:a16="http://schemas.microsoft.com/office/drawing/2014/main" id="{B1A0196D-2F51-4389-85FF-A617D7937107}"/>
+              </a:ext>
+            </a:extLst>
+          </p:cNvPr>
+          <p:cNvSpPr>
+            <a:spLocks noGrp="1"/>
+          </p:cNvSpPr>
+          <p:nvPr>
+            <p:ph type="title"/>
+          </p:nvPr>
+        </p:nvSpPr>
+        <p:spPr/>
+        <p:txBody>
+          <a:bodyPr/>
+          <a:lstStyle/>
+          <a:p>
+            <a:r>
+              <a:rPr lang="nl-NL" dirty="0"/>
+              <a:t>AAAAAAPI, zoals Chloë zou zeggen</a:t>
+            </a:r>
+            <a:endParaRPr lang="en-NL" dirty="0"/>
+          </a:p>
+        </p:txBody>
+      </p:sp>
+      <p:sp>
+        <p:nvSpPr>
+          <p:cNvPr id="4" name="TextBox 3">
+            <a:extLst>
+              <a:ext uri="{FF2B5EF4-FFF2-40B4-BE49-F238E27FC236}">
+                <a16:creationId xmlns:a16="http://schemas.microsoft.com/office/drawing/2014/main" id="{2DB448E5-BA71-4806-AFDD-5F0322795F7B}"/>
+              </a:ext>
+            </a:extLst>
+          </p:cNvPr>
+          <p:cNvSpPr txBox="1"/>
+          <p:nvPr/>
+        </p:nvSpPr>
+        <p:spPr>
+          <a:xfrm>
+            <a:off x="3101430" y="3429000"/>
+            <a:ext cx="3170355" cy="769441"/>
+          </a:xfrm>
+          <a:prstGeom prst="rect">
+            <a:avLst/>
+          </a:prstGeom>
+          <a:noFill/>
+        </p:spPr>
+        <p:txBody>
+          <a:bodyPr wrap="none" rtlCol="0">
+            <a:spAutoFit/>
+          </a:bodyPr>
+          <a:lstStyle/>
+          <a:p>
+            <a:r>
+              <a:rPr lang="en-US" sz="4400"/>
+              <a:t>Build an API</a:t>
+            </a:r>
+            <a:endParaRPr lang="en-US" sz="4400" dirty="0"/>
+          </a:p>
+        </p:txBody>
+      </p:sp>
+    </p:spTree>
+    <p:extLst>
+      <p:ext uri="{BB962C8B-B14F-4D97-AF65-F5344CB8AC3E}">
+        <p14:creationId xmlns:p14="http://schemas.microsoft.com/office/powerpoint/2010/main" val="1160311360"/>
       </p:ext>
     </p:extLst>
   </p:cSld>

--- a/Presentation/Techorama sessie 2019_RoMe.pptx
+++ b/Presentation/Techorama sessie 2019_RoMe.pptx
@@ -5,7 +5,7 @@
     <p:sldMasterId id="2147483660" r:id="rId1"/>
   </p:sldMasterIdLst>
   <p:notesMasterIdLst>
-    <p:notesMasterId r:id="rId8"/>
+    <p:notesMasterId r:id="rId9"/>
   </p:notesMasterIdLst>
   <p:sldIdLst>
     <p:sldId id="256" r:id="rId2"/>
@@ -14,6 +14,7 @@
     <p:sldId id="265" r:id="rId5"/>
     <p:sldId id="266" r:id="rId6"/>
     <p:sldId id="267" r:id="rId7"/>
+    <p:sldId id="268" r:id="rId8"/>
   </p:sldIdLst>
   <p:sldSz cx="12192000" cy="6858000"/>
   <p:notesSz cx="6858000" cy="9144000"/>
@@ -8411,7 +8412,7 @@
             </a:r>
             <a:r>
               <a:rPr lang="en-GB" dirty="0" err="1"/>
-              <a:t>gaan</a:t>
+              <a:t>ga</a:t>
             </a:r>
             <a:r>
               <a:rPr lang="en-GB" dirty="0"/>
@@ -8419,7 +8420,7 @@
             </a:r>
             <a:r>
               <a:rPr lang="en-GB" dirty="0" err="1"/>
-              <a:t>wij</a:t>
+              <a:t>ik</a:t>
             </a:r>
             <a:r>
               <a:rPr lang="en-GB" dirty="0"/>
@@ -8427,7 +8428,7 @@
             </a:r>
             <a:r>
               <a:rPr lang="en-GB" dirty="0" err="1"/>
-              <a:t>laten</a:t>
+              <a:t>jullie</a:t>
             </a:r>
             <a:r>
               <a:rPr lang="en-GB" dirty="0"/>
@@ -8435,7 +8436,31 @@
             </a:r>
             <a:r>
               <a:rPr lang="en-GB" dirty="0" err="1"/>
+              <a:t>laten</a:t>
+            </a:r>
+            <a:r>
+              <a:rPr lang="en-GB" dirty="0"/>
+              <a:t> </a:t>
+            </a:r>
+            <a:r>
+              <a:rPr lang="en-GB" dirty="0" err="1"/>
               <a:t>zien</a:t>
+            </a:r>
+            <a:r>
+              <a:rPr lang="en-GB" dirty="0"/>
+              <a:t> </a:t>
+            </a:r>
+            <a:r>
+              <a:rPr lang="en-GB" dirty="0" err="1"/>
+              <a:t>en</a:t>
+            </a:r>
+            <a:r>
+              <a:rPr lang="en-GB" dirty="0"/>
+              <a:t> </a:t>
+            </a:r>
+            <a:r>
+              <a:rPr lang="en-GB" dirty="0" err="1"/>
+              <a:t>doen</a:t>
             </a:r>
             <a:r>
               <a:rPr lang="en-GB" dirty="0"/>
@@ -8460,7 +8485,7 @@
         <p:spPr>
           <a:xfrm>
             <a:off x="1051770" y="2344239"/>
-            <a:ext cx="5044230" cy="2308324"/>
+            <a:ext cx="5044230" cy="3693319"/>
           </a:xfrm>
           <a:prstGeom prst="rect">
             <a:avLst/>
@@ -8532,13 +8557,90 @@
               <a:buChar char="•"/>
             </a:pPr>
             <a:r>
+              <a:rPr lang="en-GB" dirty="0"/>
+              <a:t>Hassan, Lets go</a:t>
+            </a:r>
+          </a:p>
+          <a:p>
+            <a:pPr marL="742950" lvl="1" indent="-285750">
+              <a:buFont typeface="Arial" panose="020B0604020202020204" pitchFamily="34" charset="0"/>
+              <a:buChar char="•"/>
+            </a:pPr>
+            <a:r>
+              <a:rPr lang="en-GB" dirty="0"/>
+              <a:t>AAAAAAPI, </a:t>
+            </a:r>
+            <a:r>
               <a:rPr lang="en-GB" dirty="0" err="1"/>
-              <a:t>Opzetten</a:t>
+              <a:t>zoals</a:t>
             </a:r>
             <a:r>
               <a:rPr lang="en-GB" dirty="0"/>
-              <a:t> project .NET CORE</a:t>
-            </a:r>
+              <a:t> </a:t>
+            </a:r>
+            <a:r>
+              <a:rPr lang="en-GB" dirty="0" err="1"/>
+              <a:t>Chloë</a:t>
+            </a:r>
+            <a:r>
+              <a:rPr lang="en-GB" dirty="0"/>
+              <a:t> </a:t>
+            </a:r>
+            <a:r>
+              <a:rPr lang="en-GB" dirty="0" err="1"/>
+              <a:t>zou</a:t>
+            </a:r>
+            <a:r>
+              <a:rPr lang="en-GB" dirty="0"/>
+              <a:t> </a:t>
+            </a:r>
+            <a:r>
+              <a:rPr lang="en-GB" dirty="0" err="1"/>
+              <a:t>zeggen</a:t>
+            </a:r>
+            <a:endParaRPr lang="en-GB" dirty="0"/>
+          </a:p>
+          <a:p>
+            <a:pPr marL="742950" lvl="1" indent="-285750">
+              <a:buFont typeface="Arial" panose="020B0604020202020204" pitchFamily="34" charset="0"/>
+              <a:buChar char="•"/>
+            </a:pPr>
+            <a:r>
+              <a:rPr lang="en-GB" dirty="0"/>
+              <a:t>MVC Client</a:t>
+            </a:r>
+          </a:p>
+          <a:p>
+            <a:pPr marL="742950" lvl="1" indent="-285750">
+              <a:buFont typeface="Arial" panose="020B0604020202020204" pitchFamily="34" charset="0"/>
+              <a:buChar char="•"/>
+            </a:pPr>
+            <a:r>
+              <a:rPr lang="en-GB" dirty="0"/>
+              <a:t>Summum</a:t>
+            </a:r>
+          </a:p>
+          <a:p>
+            <a:pPr marL="742950" lvl="1" indent="-285750">
+              <a:buFont typeface="Arial" panose="020B0604020202020204" pitchFamily="34" charset="0"/>
+              <a:buChar char="•"/>
+            </a:pPr>
+            <a:r>
+              <a:rPr lang="en-GB" dirty="0"/>
+              <a:t>Done</a:t>
+            </a:r>
+            <a:r>
+              <a:rPr lang="en-GB"/>
+              <a:t>/bye</a:t>
+            </a:r>
+            <a:endParaRPr lang="en-GB" dirty="0"/>
+          </a:p>
+          <a:p>
+            <a:pPr marL="742950" lvl="1" indent="-285750">
+              <a:buFont typeface="Arial" panose="020B0604020202020204" pitchFamily="34" charset="0"/>
+              <a:buChar char="•"/>
+            </a:pPr>
+            <a:endParaRPr lang="en-GB" dirty="0"/>
           </a:p>
           <a:p>
             <a:pPr marL="742950" lvl="1" indent="-285750">
@@ -9312,10 +9414,9 @@
           <a:lstStyle/>
           <a:p>
             <a:r>
-              <a:rPr lang="en-US" sz="4400"/>
+              <a:rPr lang="en-US" sz="4400" dirty="0"/>
               <a:t>Build an API</a:t>
             </a:r>
-            <a:endParaRPr lang="en-US" sz="4400" dirty="0"/>
           </a:p>
         </p:txBody>
       </p:sp>
@@ -9323,6 +9424,100 @@
     <p:extLst>
       <p:ext uri="{BB962C8B-B14F-4D97-AF65-F5344CB8AC3E}">
         <p14:creationId xmlns:p14="http://schemas.microsoft.com/office/powerpoint/2010/main" val="1160311360"/>
+      </p:ext>
+    </p:extLst>
+  </p:cSld>
+  <p:clrMapOvr>
+    <a:masterClrMapping/>
+  </p:clrMapOvr>
+</p:sld>
+</file>
+
+<file path=ppt/slides/slide7.xml><?xml version="1.0" encoding="utf-8"?>
+<p:sld xmlns:a="http://schemas.openxmlformats.org/drawingml/2006/main" xmlns:r="http://schemas.openxmlformats.org/officeDocument/2006/relationships" xmlns:p="http://schemas.openxmlformats.org/presentationml/2006/main">
+  <p:cSld>
+    <p:spTree>
+      <p:nvGrpSpPr>
+        <p:cNvPr id="1" name=""/>
+        <p:cNvGrpSpPr/>
+        <p:nvPr/>
+      </p:nvGrpSpPr>
+      <p:grpSpPr>
+        <a:xfrm>
+          <a:off x="0" y="0"/>
+          <a:ext cx="0" cy="0"/>
+          <a:chOff x="0" y="0"/>
+          <a:chExt cx="0" cy="0"/>
+        </a:xfrm>
+      </p:grpSpPr>
+      <p:sp>
+        <p:nvSpPr>
+          <p:cNvPr id="2" name="Title 1">
+            <a:extLst>
+              <a:ext uri="{FF2B5EF4-FFF2-40B4-BE49-F238E27FC236}">
+                <a16:creationId xmlns:a16="http://schemas.microsoft.com/office/drawing/2014/main" id="{B1A0196D-2F51-4389-85FF-A617D7937107}"/>
+              </a:ext>
+            </a:extLst>
+          </p:cNvPr>
+          <p:cNvSpPr>
+            <a:spLocks noGrp="1"/>
+          </p:cNvSpPr>
+          <p:nvPr>
+            <p:ph type="title"/>
+          </p:nvPr>
+        </p:nvSpPr>
+        <p:spPr/>
+        <p:txBody>
+          <a:bodyPr/>
+          <a:lstStyle/>
+          <a:p>
+            <a:r>
+              <a:rPr lang="nl-NL" dirty="0"/>
+              <a:t>MVC Client</a:t>
+            </a:r>
+            <a:endParaRPr lang="en-NL" dirty="0"/>
+          </a:p>
+        </p:txBody>
+      </p:sp>
+      <p:sp>
+        <p:nvSpPr>
+          <p:cNvPr id="4" name="TextBox 3">
+            <a:extLst>
+              <a:ext uri="{FF2B5EF4-FFF2-40B4-BE49-F238E27FC236}">
+                <a16:creationId xmlns:a16="http://schemas.microsoft.com/office/drawing/2014/main" id="{2DB448E5-BA71-4806-AFDD-5F0322795F7B}"/>
+              </a:ext>
+            </a:extLst>
+          </p:cNvPr>
+          <p:cNvSpPr txBox="1"/>
+          <p:nvPr/>
+        </p:nvSpPr>
+        <p:spPr>
+          <a:xfrm>
+            <a:off x="3101430" y="3429000"/>
+            <a:ext cx="4834978" cy="769441"/>
+          </a:xfrm>
+          <a:prstGeom prst="rect">
+            <a:avLst/>
+          </a:prstGeom>
+          <a:noFill/>
+        </p:spPr>
+        <p:txBody>
+          <a:bodyPr wrap="none" rtlCol="0">
+            <a:spAutoFit/>
+          </a:bodyPr>
+          <a:lstStyle/>
+          <a:p>
+            <a:r>
+              <a:rPr lang="en-US" sz="4400" dirty="0"/>
+              <a:t>Build a MVC Client</a:t>
+            </a:r>
+          </a:p>
+        </p:txBody>
+      </p:sp>
+    </p:spTree>
+    <p:extLst>
+      <p:ext uri="{BB962C8B-B14F-4D97-AF65-F5344CB8AC3E}">
+        <p14:creationId xmlns:p14="http://schemas.microsoft.com/office/powerpoint/2010/main" val="3350001037"/>
       </p:ext>
     </p:extLst>
   </p:cSld>

--- a/Presentation/Techorama sessie 2019_RoMe.pptx
+++ b/Presentation/Techorama sessie 2019_RoMe.pptx
@@ -5,7 +5,7 @@
     <p:sldMasterId id="2147483660" r:id="rId1"/>
   </p:sldMasterIdLst>
   <p:notesMasterIdLst>
-    <p:notesMasterId r:id="rId9"/>
+    <p:notesMasterId r:id="rId10"/>
   </p:notesMasterIdLst>
   <p:sldIdLst>
     <p:sldId id="256" r:id="rId2"/>
@@ -15,6 +15,7 @@
     <p:sldId id="266" r:id="rId6"/>
     <p:sldId id="267" r:id="rId7"/>
     <p:sldId id="268" r:id="rId8"/>
+    <p:sldId id="269" r:id="rId9"/>
   </p:sldIdLst>
   <p:sldSz cx="12192000" cy="6858000"/>
   <p:notesSz cx="6858000" cy="9144000"/>
@@ -203,7 +204,7 @@
           <a:p>
             <a:fld id="{79CDC471-DDF2-433F-A5F6-544F0A710411}" type="datetimeFigureOut">
               <a:rPr lang="en-NL" smtClean="0"/>
-              <a:t>17/02/2019</a:t>
+              <a:t>19/02/2019</a:t>
             </a:fld>
             <a:endParaRPr lang="en-NL"/>
           </a:p>
@@ -913,7 +914,7 @@
           <a:p>
             <a:fld id="{94BB1E4B-6BAD-4B53-9078-FE57BE311D48}" type="datetimeFigureOut">
               <a:rPr lang="en-NL" smtClean="0"/>
-              <a:t>17/02/2019</a:t>
+              <a:t>19/02/2019</a:t>
             </a:fld>
             <a:endParaRPr lang="en-NL"/>
           </a:p>
@@ -1327,7 +1328,7 @@
           <a:p>
             <a:fld id="{94BB1E4B-6BAD-4B53-9078-FE57BE311D48}" type="datetimeFigureOut">
               <a:rPr lang="en-NL" smtClean="0"/>
-              <a:t>17/02/2019</a:t>
+              <a:t>19/02/2019</a:t>
             </a:fld>
             <a:endParaRPr lang="en-NL"/>
           </a:p>
@@ -1663,7 +1664,7 @@
           <a:p>
             <a:fld id="{94BB1E4B-6BAD-4B53-9078-FE57BE311D48}" type="datetimeFigureOut">
               <a:rPr lang="en-NL" smtClean="0"/>
-              <a:t>17/02/2019</a:t>
+              <a:t>19/02/2019</a:t>
             </a:fld>
             <a:endParaRPr lang="en-NL"/>
           </a:p>
@@ -2068,7 +2069,7 @@
           <a:p>
             <a:fld id="{94BB1E4B-6BAD-4B53-9078-FE57BE311D48}" type="datetimeFigureOut">
               <a:rPr lang="en-NL" smtClean="0"/>
-              <a:t>17/02/2019</a:t>
+              <a:t>19/02/2019</a:t>
             </a:fld>
             <a:endParaRPr lang="en-NL"/>
           </a:p>
@@ -2636,7 +2637,7 @@
           <a:p>
             <a:fld id="{94BB1E4B-6BAD-4B53-9078-FE57BE311D48}" type="datetimeFigureOut">
               <a:rPr lang="en-NL" smtClean="0"/>
-              <a:t>17/02/2019</a:t>
+              <a:t>19/02/2019</a:t>
             </a:fld>
             <a:endParaRPr lang="en-NL"/>
           </a:p>
@@ -3317,7 +3318,7 @@
           <a:p>
             <a:fld id="{94BB1E4B-6BAD-4B53-9078-FE57BE311D48}" type="datetimeFigureOut">
               <a:rPr lang="en-NL" smtClean="0"/>
-              <a:t>17/02/2019</a:t>
+              <a:t>19/02/2019</a:t>
             </a:fld>
             <a:endParaRPr lang="en-NL"/>
           </a:p>
@@ -4230,7 +4231,7 @@
           <a:p>
             <a:fld id="{94BB1E4B-6BAD-4B53-9078-FE57BE311D48}" type="datetimeFigureOut">
               <a:rPr lang="en-NL" smtClean="0"/>
-              <a:t>17/02/2019</a:t>
+              <a:t>19/02/2019</a:t>
             </a:fld>
             <a:endParaRPr lang="en-NL"/>
           </a:p>
@@ -4543,7 +4544,7 @@
           <a:p>
             <a:fld id="{94BB1E4B-6BAD-4B53-9078-FE57BE311D48}" type="datetimeFigureOut">
               <a:rPr lang="en-NL" smtClean="0"/>
-              <a:t>17/02/2019</a:t>
+              <a:t>19/02/2019</a:t>
             </a:fld>
             <a:endParaRPr lang="en-NL"/>
           </a:p>
@@ -4807,7 +4808,7 @@
           <a:p>
             <a:fld id="{94BB1E4B-6BAD-4B53-9078-FE57BE311D48}" type="datetimeFigureOut">
               <a:rPr lang="en-NL" smtClean="0"/>
-              <a:t>17/02/2019</a:t>
+              <a:t>19/02/2019</a:t>
             </a:fld>
             <a:endParaRPr lang="en-NL"/>
           </a:p>
@@ -5130,7 +5131,7 @@
           <a:p>
             <a:fld id="{94BB1E4B-6BAD-4B53-9078-FE57BE311D48}" type="datetimeFigureOut">
               <a:rPr lang="en-NL" smtClean="0"/>
-              <a:t>17/02/2019</a:t>
+              <a:t>19/02/2019</a:t>
             </a:fld>
             <a:endParaRPr lang="en-NL"/>
           </a:p>
@@ -5519,7 +5520,7 @@
           <a:p>
             <a:fld id="{94BB1E4B-6BAD-4B53-9078-FE57BE311D48}" type="datetimeFigureOut">
               <a:rPr lang="en-NL" smtClean="0"/>
-              <a:t>17/02/2019</a:t>
+              <a:t>19/02/2019</a:t>
             </a:fld>
             <a:endParaRPr lang="en-NL"/>
           </a:p>
@@ -5895,7 +5896,7 @@
           <a:p>
             <a:fld id="{94BB1E4B-6BAD-4B53-9078-FE57BE311D48}" type="datetimeFigureOut">
               <a:rPr lang="en-NL" smtClean="0"/>
-              <a:t>17/02/2019</a:t>
+              <a:t>19/02/2019</a:t>
             </a:fld>
             <a:endParaRPr lang="en-NL"/>
           </a:p>
@@ -6401,7 +6402,7 @@
           <a:p>
             <a:fld id="{94BB1E4B-6BAD-4B53-9078-FE57BE311D48}" type="datetimeFigureOut">
               <a:rPr lang="en-NL" smtClean="0"/>
-              <a:t>17/02/2019</a:t>
+              <a:t>19/02/2019</a:t>
             </a:fld>
             <a:endParaRPr lang="en-NL"/>
           </a:p>
@@ -6658,7 +6659,7 @@
           <a:p>
             <a:fld id="{94BB1E4B-6BAD-4B53-9078-FE57BE311D48}" type="datetimeFigureOut">
               <a:rPr lang="en-NL" smtClean="0"/>
-              <a:t>17/02/2019</a:t>
+              <a:t>19/02/2019</a:t>
             </a:fld>
             <a:endParaRPr lang="en-NL"/>
           </a:p>
@@ -6821,7 +6822,7 @@
           <a:p>
             <a:fld id="{94BB1E4B-6BAD-4B53-9078-FE57BE311D48}" type="datetimeFigureOut">
               <a:rPr lang="en-NL" smtClean="0"/>
-              <a:t>17/02/2019</a:t>
+              <a:t>19/02/2019</a:t>
             </a:fld>
             <a:endParaRPr lang="en-NL"/>
           </a:p>
@@ -7211,7 +7212,7 @@
           <a:p>
             <a:fld id="{94BB1E4B-6BAD-4B53-9078-FE57BE311D48}" type="datetimeFigureOut">
               <a:rPr lang="en-NL" smtClean="0"/>
-              <a:t>17/02/2019</a:t>
+              <a:t>19/02/2019</a:t>
             </a:fld>
             <a:endParaRPr lang="en-NL"/>
           </a:p>
@@ -7620,7 +7621,7 @@
           <a:p>
             <a:fld id="{94BB1E4B-6BAD-4B53-9078-FE57BE311D48}" type="datetimeFigureOut">
               <a:rPr lang="en-NL" smtClean="0"/>
-              <a:t>17/02/2019</a:t>
+              <a:t>19/02/2019</a:t>
             </a:fld>
             <a:endParaRPr lang="en-NL"/>
           </a:p>
@@ -7864,7 +7865,7 @@
           <a:p>
             <a:fld id="{94BB1E4B-6BAD-4B53-9078-FE57BE311D48}" type="datetimeFigureOut">
               <a:rPr lang="en-NL" smtClean="0"/>
-              <a:t>17/02/2019</a:t>
+              <a:t>19/02/2019</a:t>
             </a:fld>
             <a:endParaRPr lang="en-NL"/>
           </a:p>
@@ -8298,7 +8299,7 @@
           <a:p>
             <a:r>
               <a:rPr lang="en-GB" dirty="0" err="1"/>
-              <a:t>Techorama</a:t>
+              <a:t>Kennis</a:t>
             </a:r>
             <a:r>
               <a:rPr lang="en-GB" dirty="0"/>
@@ -8341,17 +8342,6 @@
               <a:rPr lang="en-GB" dirty="0"/>
               <a:t>Ronald van Meer</a:t>
             </a:r>
-          </a:p>
-          <a:p>
-            <a:r>
-              <a:rPr lang="en-GB" dirty="0"/>
-              <a:t>Michael </a:t>
-            </a:r>
-            <a:r>
-              <a:rPr lang="en-GB" dirty="0" err="1"/>
-              <a:t>Rozenbeek</a:t>
-            </a:r>
-            <a:endParaRPr lang="en-NL" dirty="0"/>
           </a:p>
         </p:txBody>
       </p:sp>
@@ -9518,6 +9508,104 @@
     <p:extLst>
       <p:ext uri="{BB962C8B-B14F-4D97-AF65-F5344CB8AC3E}">
         <p14:creationId xmlns:p14="http://schemas.microsoft.com/office/powerpoint/2010/main" val="3350001037"/>
+      </p:ext>
+    </p:extLst>
+  </p:cSld>
+  <p:clrMapOvr>
+    <a:masterClrMapping/>
+  </p:clrMapOvr>
+</p:sld>
+</file>
+
+<file path=ppt/slides/slide8.xml><?xml version="1.0" encoding="utf-8"?>
+<p:sld xmlns:a="http://schemas.openxmlformats.org/drawingml/2006/main" xmlns:r="http://schemas.openxmlformats.org/officeDocument/2006/relationships" xmlns:p="http://schemas.openxmlformats.org/presentationml/2006/main">
+  <p:cSld>
+    <p:spTree>
+      <p:nvGrpSpPr>
+        <p:cNvPr id="1" name=""/>
+        <p:cNvGrpSpPr/>
+        <p:nvPr/>
+      </p:nvGrpSpPr>
+      <p:grpSpPr>
+        <a:xfrm>
+          <a:off x="0" y="0"/>
+          <a:ext cx="0" cy="0"/>
+          <a:chOff x="0" y="0"/>
+          <a:chExt cx="0" cy="0"/>
+        </a:xfrm>
+      </p:grpSpPr>
+      <p:sp>
+        <p:nvSpPr>
+          <p:cNvPr id="2" name="Title 1">
+            <a:extLst>
+              <a:ext uri="{FF2B5EF4-FFF2-40B4-BE49-F238E27FC236}">
+                <a16:creationId xmlns:a16="http://schemas.microsoft.com/office/drawing/2014/main" id="{B1A0196D-2F51-4389-85FF-A617D7937107}"/>
+              </a:ext>
+            </a:extLst>
+          </p:cNvPr>
+          <p:cNvSpPr>
+            <a:spLocks noGrp="1"/>
+          </p:cNvSpPr>
+          <p:nvPr>
+            <p:ph type="title"/>
+          </p:nvPr>
+        </p:nvSpPr>
+        <p:spPr/>
+        <p:txBody>
+          <a:bodyPr/>
+          <a:lstStyle/>
+          <a:p>
+            <a:r>
+              <a:rPr lang="nl-NL" dirty="0"/>
+              <a:t>MVC Client secure data comm with API</a:t>
+            </a:r>
+            <a:endParaRPr lang="en-NL" dirty="0"/>
+          </a:p>
+        </p:txBody>
+      </p:sp>
+      <p:sp>
+        <p:nvSpPr>
+          <p:cNvPr id="4" name="TextBox 3">
+            <a:extLst>
+              <a:ext uri="{FF2B5EF4-FFF2-40B4-BE49-F238E27FC236}">
+                <a16:creationId xmlns:a16="http://schemas.microsoft.com/office/drawing/2014/main" id="{2DB448E5-BA71-4806-AFDD-5F0322795F7B}"/>
+              </a:ext>
+            </a:extLst>
+          </p:cNvPr>
+          <p:cNvSpPr txBox="1"/>
+          <p:nvPr/>
+        </p:nvSpPr>
+        <p:spPr>
+          <a:xfrm>
+            <a:off x="3101430" y="3429000"/>
+            <a:ext cx="5933034" cy="769441"/>
+          </a:xfrm>
+          <a:prstGeom prst="rect">
+            <a:avLst/>
+          </a:prstGeom>
+          <a:noFill/>
+        </p:spPr>
+        <p:txBody>
+          <a:bodyPr wrap="none" rtlCol="0">
+            <a:spAutoFit/>
+          </a:bodyPr>
+          <a:lstStyle/>
+          <a:p>
+            <a:r>
+              <a:rPr lang="en-US" sz="4400"/>
+              <a:t>Update the </a:t>
+            </a:r>
+            <a:r>
+              <a:rPr lang="en-US" sz="4400" dirty="0"/>
+              <a:t>MVC Client</a:t>
+            </a:r>
+          </a:p>
+        </p:txBody>
+      </p:sp>
+    </p:spTree>
+    <p:extLst>
+      <p:ext uri="{BB962C8B-B14F-4D97-AF65-F5344CB8AC3E}">
+        <p14:creationId xmlns:p14="http://schemas.microsoft.com/office/powerpoint/2010/main" val="4045017707"/>
       </p:ext>
     </p:extLst>
   </p:cSld>
